--- a/19360859053_HumeyraCimen_BitirmeSunum.pptx
+++ b/19360859053_HumeyraCimen_BitirmeSunum.pptx
@@ -6168,7 +6168,9 @@
           </a:xfrm>
         </p:spPr>
         <p:txBody>
-          <a:bodyPr/>
+          <a:bodyPr>
+            <a:normAutofit/>
+          </a:bodyPr>
           <a:lstStyle/>
           <a:p>
             <a:r>
@@ -6176,6 +6178,7 @@
                 <a:effectLst/>
                 <a:latin typeface="Times New Roman" panose="02020603050405020304" pitchFamily="18" charset="0"/>
                 <a:ea typeface="Times New Roman" panose="02020603050405020304" pitchFamily="18" charset="0"/>
+                <a:cs typeface="Times New Roman" panose="02020603050405020304" pitchFamily="18" charset="0"/>
               </a:rPr>
               <a:t> EU-</a:t>
             </a:r>
@@ -6184,6 +6187,7 @@
                 <a:effectLst/>
                 <a:latin typeface="Times New Roman" panose="02020603050405020304" pitchFamily="18" charset="0"/>
                 <a:ea typeface="Times New Roman" panose="02020603050405020304" pitchFamily="18" charset="0"/>
+                <a:cs typeface="Times New Roman" panose="02020603050405020304" pitchFamily="18" charset="0"/>
               </a:rPr>
               <a:t>Startups</a:t>
             </a:r>
@@ -6192,6 +6196,7 @@
                 <a:effectLst/>
                 <a:latin typeface="Times New Roman" panose="02020603050405020304" pitchFamily="18" charset="0"/>
                 <a:ea typeface="Times New Roman" panose="02020603050405020304" pitchFamily="18" charset="0"/>
+                <a:cs typeface="Times New Roman" panose="02020603050405020304" pitchFamily="18" charset="0"/>
               </a:rPr>
               <a:t>. "EU-</a:t>
             </a:r>
@@ -6200,6 +6205,7 @@
                 <a:effectLst/>
                 <a:latin typeface="Times New Roman" panose="02020603050405020304" pitchFamily="18" charset="0"/>
                 <a:ea typeface="Times New Roman" panose="02020603050405020304" pitchFamily="18" charset="0"/>
+                <a:cs typeface="Times New Roman" panose="02020603050405020304" pitchFamily="18" charset="0"/>
               </a:rPr>
               <a:t>Startups</a:t>
             </a:r>
@@ -6208,6 +6214,7 @@
                 <a:effectLst/>
                 <a:latin typeface="Times New Roman" panose="02020603050405020304" pitchFamily="18" charset="0"/>
                 <a:ea typeface="Times New Roman" panose="02020603050405020304" pitchFamily="18" charset="0"/>
+                <a:cs typeface="Times New Roman" panose="02020603050405020304" pitchFamily="18" charset="0"/>
               </a:rPr>
               <a:t> Directory". Erişim Tarihi: 30 Mayıs 2024. URL: https://www.eu-startups.com/directory/</a:t>
             </a:r>
@@ -6221,6 +6228,7 @@
                 <a:effectLst/>
                 <a:latin typeface="Times New Roman" panose="02020603050405020304" pitchFamily="18" charset="0"/>
                 <a:ea typeface="Times New Roman" panose="02020603050405020304" pitchFamily="18" charset="0"/>
+                <a:cs typeface="Times New Roman" panose="02020603050405020304" pitchFamily="18" charset="0"/>
               </a:rPr>
               <a:t> </a:t>
             </a:r>
@@ -6232,6 +6240,7 @@
                 <a:effectLst/>
                 <a:latin typeface="Times New Roman" panose="02020603050405020304" pitchFamily="18" charset="0"/>
                 <a:ea typeface="Times New Roman" panose="02020603050405020304" pitchFamily="18" charset="0"/>
+                <a:cs typeface="Times New Roman" panose="02020603050405020304" pitchFamily="18" charset="0"/>
               </a:rPr>
               <a:t>OpenAI</a:t>
             </a:r>
@@ -6243,6 +6252,7 @@
                 <a:effectLst/>
                 <a:latin typeface="Times New Roman" panose="02020603050405020304" pitchFamily="18" charset="0"/>
                 <a:ea typeface="Times New Roman" panose="02020603050405020304" pitchFamily="18" charset="0"/>
+                <a:cs typeface="Times New Roman" panose="02020603050405020304" pitchFamily="18" charset="0"/>
               </a:rPr>
               <a:t>. "GPT-3.5: Language </a:t>
             </a:r>
@@ -6254,6 +6264,7 @@
                 <a:effectLst/>
                 <a:latin typeface="Times New Roman" panose="02020603050405020304" pitchFamily="18" charset="0"/>
                 <a:ea typeface="Times New Roman" panose="02020603050405020304" pitchFamily="18" charset="0"/>
+                <a:cs typeface="Times New Roman" panose="02020603050405020304" pitchFamily="18" charset="0"/>
               </a:rPr>
               <a:t>Models</a:t>
             </a:r>
@@ -6265,6 +6276,7 @@
                 <a:effectLst/>
                 <a:latin typeface="Times New Roman" panose="02020603050405020304" pitchFamily="18" charset="0"/>
                 <a:ea typeface="Times New Roman" panose="02020603050405020304" pitchFamily="18" charset="0"/>
+                <a:cs typeface="Times New Roman" panose="02020603050405020304" pitchFamily="18" charset="0"/>
               </a:rPr>
               <a:t> </a:t>
             </a:r>
@@ -6276,6 +6288,7 @@
                 <a:effectLst/>
                 <a:latin typeface="Times New Roman" panose="02020603050405020304" pitchFamily="18" charset="0"/>
                 <a:ea typeface="Times New Roman" panose="02020603050405020304" pitchFamily="18" charset="0"/>
+                <a:cs typeface="Times New Roman" panose="02020603050405020304" pitchFamily="18" charset="0"/>
               </a:rPr>
               <a:t>Are</a:t>
             </a:r>
@@ -6287,6 +6300,7 @@
                 <a:effectLst/>
                 <a:latin typeface="Times New Roman" panose="02020603050405020304" pitchFamily="18" charset="0"/>
                 <a:ea typeface="Times New Roman" panose="02020603050405020304" pitchFamily="18" charset="0"/>
+                <a:cs typeface="Times New Roman" panose="02020603050405020304" pitchFamily="18" charset="0"/>
               </a:rPr>
               <a:t> </a:t>
             </a:r>
@@ -6298,6 +6312,7 @@
                 <a:effectLst/>
                 <a:latin typeface="Times New Roman" panose="02020603050405020304" pitchFamily="18" charset="0"/>
                 <a:ea typeface="Times New Roman" panose="02020603050405020304" pitchFamily="18" charset="0"/>
+                <a:cs typeface="Times New Roman" panose="02020603050405020304" pitchFamily="18" charset="0"/>
               </a:rPr>
               <a:t>Few-Shot</a:t>
             </a:r>
@@ -6309,6 +6324,7 @@
                 <a:effectLst/>
                 <a:latin typeface="Times New Roman" panose="02020603050405020304" pitchFamily="18" charset="0"/>
                 <a:ea typeface="Times New Roman" panose="02020603050405020304" pitchFamily="18" charset="0"/>
+                <a:cs typeface="Times New Roman" panose="02020603050405020304" pitchFamily="18" charset="0"/>
               </a:rPr>
               <a:t> </a:t>
             </a:r>
@@ -6320,6 +6336,7 @@
                 <a:effectLst/>
                 <a:latin typeface="Times New Roman" panose="02020603050405020304" pitchFamily="18" charset="0"/>
                 <a:ea typeface="Times New Roman" panose="02020603050405020304" pitchFamily="18" charset="0"/>
+                <a:cs typeface="Times New Roman" panose="02020603050405020304" pitchFamily="18" charset="0"/>
               </a:rPr>
               <a:t>Learners</a:t>
             </a:r>
@@ -6331,6 +6348,7 @@
                 <a:effectLst/>
                 <a:latin typeface="Times New Roman" panose="02020603050405020304" pitchFamily="18" charset="0"/>
                 <a:ea typeface="Times New Roman" panose="02020603050405020304" pitchFamily="18" charset="0"/>
+                <a:cs typeface="Times New Roman" panose="02020603050405020304" pitchFamily="18" charset="0"/>
               </a:rPr>
               <a:t>." </a:t>
             </a:r>
@@ -6342,6 +6360,7 @@
                 <a:effectLst/>
                 <a:latin typeface="Times New Roman" panose="02020603050405020304" pitchFamily="18" charset="0"/>
                 <a:ea typeface="Times New Roman" panose="02020603050405020304" pitchFamily="18" charset="0"/>
+                <a:cs typeface="Times New Roman" panose="02020603050405020304" pitchFamily="18" charset="0"/>
                 <a:hlinkClick r:id="rId2">
                   <a:extLst>
                     <a:ext uri="{A12FA001-AC4F-418D-AE19-62706E023703}">
@@ -6360,6 +6379,7 @@
                 <a:effectLst/>
                 <a:latin typeface="Times New Roman" panose="02020603050405020304" pitchFamily="18" charset="0"/>
                 <a:ea typeface="Times New Roman" panose="02020603050405020304" pitchFamily="18" charset="0"/>
+                <a:cs typeface="Times New Roman" panose="02020603050405020304" pitchFamily="18" charset="0"/>
                 <a:hlinkClick r:id="rId2">
                   <a:extLst>
                     <a:ext uri="{A12FA001-AC4F-418D-AE19-62706E023703}">
@@ -6378,6 +6398,7 @@
                 <a:effectLst/>
                 <a:latin typeface="Times New Roman" panose="02020603050405020304" pitchFamily="18" charset="0"/>
                 <a:ea typeface="Times New Roman" panose="02020603050405020304" pitchFamily="18" charset="0"/>
+                <a:cs typeface="Times New Roman" panose="02020603050405020304" pitchFamily="18" charset="0"/>
                 <a:hlinkClick r:id="rId2">
                   <a:extLst>
                     <a:ext uri="{A12FA001-AC4F-418D-AE19-62706E023703}">
@@ -6396,20 +6417,31 @@
                 <a:effectLst/>
                 <a:latin typeface="Times New Roman" panose="02020603050405020304" pitchFamily="18" charset="0"/>
                 <a:ea typeface="Times New Roman" panose="02020603050405020304" pitchFamily="18" charset="0"/>
+                <a:cs typeface="Times New Roman" panose="02020603050405020304" pitchFamily="18" charset="0"/>
               </a:rPr>
               <a:t>.</a:t>
             </a:r>
           </a:p>
           <a:p>
-            <a:endParaRPr lang="tr-TR" sz="1800" dirty="0">
-              <a:effectLst/>
-              <a:latin typeface="Times New Roman" panose="02020603050405020304" pitchFamily="18" charset="0"/>
-              <a:ea typeface="Times New Roman" panose="02020603050405020304" pitchFamily="18" charset="0"/>
-            </a:endParaRPr>
-          </a:p>
-          <a:p>
-            <a:r>
-              <a:rPr lang="en-US" dirty="0"/>
+            <a:r>
+              <a:rPr lang="tr-TR" sz="1800" dirty="0">
+                <a:solidFill>
+                  <a:schemeClr val="tx1"/>
+                </a:solidFill>
+                <a:effectLst/>
+                <a:latin typeface="Times New Roman" panose="02020603050405020304" pitchFamily="18" charset="0"/>
+                <a:ea typeface="Times New Roman" panose="02020603050405020304" pitchFamily="18" charset="0"/>
+                <a:cs typeface="Times New Roman" panose="02020603050405020304" pitchFamily="18" charset="0"/>
+              </a:rPr>
+              <a:t>Microsoft. (2024). Microsoft Copilot [Yapay Zeka Aracı]. https://copilot.microsoft.com/</a:t>
+            </a:r>
+          </a:p>
+          <a:p>
+            <a:r>
+              <a:rPr lang="en-US" sz="1800" dirty="0">
+                <a:latin typeface="Times New Roman" panose="02020603050405020304" pitchFamily="18" charset="0"/>
+                <a:cs typeface="Times New Roman" panose="02020603050405020304" pitchFamily="18" charset="0"/>
+              </a:rPr>
               <a:t>Devlin, J., Chang, M.-W., Lee, K., &amp; Toutanova, K. (2019). BERT: Pre-training of Deep Bidirectional Transformers for Language Understanding. arXiv:1810.04805.</a:t>
             </a:r>
           </a:p>
@@ -7317,6 +7349,153 @@
           </a:p>
         </p:txBody>
       </p:sp>
+      <p:pic>
+        <p:nvPicPr>
+          <p:cNvPr id="6" name="Resim 5" descr="metin, ekran görüntüsü, devre içeren bir resim&#10;&#10;Açıklama otomatik olarak oluşturuldu">
+            <a:extLst>
+              <a:ext uri="{FF2B5EF4-FFF2-40B4-BE49-F238E27FC236}">
+                <a16:creationId xmlns:a16="http://schemas.microsoft.com/office/drawing/2014/main" id="{9C0ACEEA-F52E-F7BB-0F2B-DE08143DDE05}"/>
+              </a:ext>
+            </a:extLst>
+          </p:cNvPr>
+          <p:cNvPicPr>
+            <a:picLocks noChangeAspect="1"/>
+          </p:cNvPicPr>
+          <p:nvPr/>
+        </p:nvPicPr>
+        <p:blipFill rotWithShape="1">
+          <a:blip r:embed="rId3">
+            <a:extLst>
+              <a:ext uri="{28A0092B-C50C-407E-A947-70E740481C1C}">
+                <a14:useLocalDpi xmlns:a14="http://schemas.microsoft.com/office/drawing/2010/main" val="0"/>
+              </a:ext>
+            </a:extLst>
+          </a:blip>
+          <a:srcRect t="302"/>
+          <a:stretch/>
+        </p:blipFill>
+        <p:spPr>
+          <a:xfrm>
+            <a:off x="6494158" y="1774855"/>
+            <a:ext cx="4661521" cy="4647436"/>
+          </a:xfrm>
+          <a:custGeom>
+            <a:avLst/>
+            <a:gdLst/>
+            <a:ahLst/>
+            <a:cxnLst/>
+            <a:rect l="l" t="t" r="r" b="b"/>
+            <a:pathLst>
+              <a:path w="6878775" h="6858000">
+                <a:moveTo>
+                  <a:pt x="1102973" y="0"/>
+                </a:moveTo>
+                <a:lnTo>
+                  <a:pt x="1160688" y="0"/>
+                </a:lnTo>
+                <a:lnTo>
+                  <a:pt x="983189" y="331786"/>
+                </a:lnTo>
+                <a:cubicBezTo>
+                  <a:pt x="914866" y="469145"/>
+                  <a:pt x="850355" y="608712"/>
+                  <a:pt x="789261" y="750263"/>
+                </a:cubicBezTo>
+                <a:cubicBezTo>
+                  <a:pt x="774307" y="784928"/>
+                  <a:pt x="759992" y="819849"/>
+                  <a:pt x="745295" y="854514"/>
+                </a:cubicBezTo>
+                <a:cubicBezTo>
+                  <a:pt x="756682" y="845393"/>
+                  <a:pt x="765489" y="833492"/>
+                  <a:pt x="770857" y="819975"/>
+                </a:cubicBezTo>
+                <a:cubicBezTo>
+                  <a:pt x="879943" y="589569"/>
+                  <a:pt x="999605" y="365513"/>
+                  <a:pt x="1131329" y="148742"/>
+                </a:cubicBezTo>
+                <a:lnTo>
+                  <a:pt x="1227589" y="0"/>
+                </a:lnTo>
+                <a:lnTo>
+                  <a:pt x="6878775" y="0"/>
+                </a:lnTo>
+                <a:lnTo>
+                  <a:pt x="6878775" y="6858000"/>
+                </a:lnTo>
+                <a:lnTo>
+                  <a:pt x="713521" y="6858000"/>
+                </a:lnTo>
+                <a:lnTo>
+                  <a:pt x="625642" y="6670527"/>
+                </a:lnTo>
+                <a:cubicBezTo>
+                  <a:pt x="507232" y="6398531"/>
+                  <a:pt x="403083" y="6118381"/>
+                  <a:pt x="312785" y="5830359"/>
+                </a:cubicBezTo>
+                <a:cubicBezTo>
+                  <a:pt x="278149" y="5719759"/>
+                  <a:pt x="248879" y="5607635"/>
+                  <a:pt x="212198" y="5480401"/>
+                </a:cubicBezTo>
+                <a:cubicBezTo>
+                  <a:pt x="212208" y="5491601"/>
+                  <a:pt x="212803" y="5502788"/>
+                  <a:pt x="213988" y="5513923"/>
+                </a:cubicBezTo>
+                <a:cubicBezTo>
+                  <a:pt x="264089" y="5723695"/>
+                  <a:pt x="307290" y="5935370"/>
+                  <a:pt x="365826" y="6142729"/>
+                </a:cubicBezTo>
+                <a:cubicBezTo>
+                  <a:pt x="433152" y="6380817"/>
+                  <a:pt x="510068" y="6614016"/>
+                  <a:pt x="597975" y="6841549"/>
+                </a:cubicBezTo>
+                <a:lnTo>
+                  <a:pt x="604824" y="6858000"/>
+                </a:lnTo>
+                <a:lnTo>
+                  <a:pt x="552056" y="6858000"/>
+                </a:lnTo>
+                <a:lnTo>
+                  <a:pt x="539576" y="6828295"/>
+                </a:lnTo>
+                <a:cubicBezTo>
+                  <a:pt x="380597" y="6414594"/>
+                  <a:pt x="260223" y="5988893"/>
+                  <a:pt x="171555" y="5552906"/>
+                </a:cubicBezTo>
+                <a:cubicBezTo>
+                  <a:pt x="91163" y="5157998"/>
+                  <a:pt x="43746" y="4758899"/>
+                  <a:pt x="12305" y="4357388"/>
+                </a:cubicBezTo>
+                <a:cubicBezTo>
+                  <a:pt x="-14281" y="4013908"/>
+                  <a:pt x="4507" y="3672965"/>
+                  <a:pt x="46684" y="3331516"/>
+                </a:cubicBezTo>
+                <a:cubicBezTo>
+                  <a:pt x="127203" y="2664286"/>
+                  <a:pt x="277819" y="2007265"/>
+                  <a:pt x="496065" y="1371196"/>
+                </a:cubicBezTo>
+                <a:cubicBezTo>
+                  <a:pt x="636273" y="966066"/>
+                  <a:pt x="800445" y="573253"/>
+                  <a:pt x="995723" y="196614"/>
+                </a:cubicBezTo>
+                <a:close/>
+              </a:path>
+            </a:pathLst>
+          </a:custGeom>
+        </p:spPr>
+      </p:pic>
     </p:spTree>
     <p:extLst>
       <p:ext uri="{BB962C8B-B14F-4D97-AF65-F5344CB8AC3E}">

--- a/19360859053_HumeyraCimen_BitirmeSunum.pptx
+++ b/19360859053_HumeyraCimen_BitirmeSunum.pptx
@@ -5,10 +5,10 @@
     <p:sldMasterId id="2147483684" r:id="rId1"/>
   </p:sldMasterIdLst>
   <p:notesMasterIdLst>
-    <p:notesMasterId r:id="rId17"/>
+    <p:notesMasterId r:id="rId18"/>
   </p:notesMasterIdLst>
   <p:handoutMasterIdLst>
-    <p:handoutMasterId r:id="rId18"/>
+    <p:handoutMasterId r:id="rId19"/>
   </p:handoutMasterIdLst>
   <p:sldIdLst>
     <p:sldId id="256" r:id="rId2"/>
@@ -24,8 +24,9 @@
     <p:sldId id="266" r:id="rId12"/>
     <p:sldId id="267" r:id="rId13"/>
     <p:sldId id="268" r:id="rId14"/>
-    <p:sldId id="269" r:id="rId15"/>
-    <p:sldId id="270" r:id="rId16"/>
+    <p:sldId id="272" r:id="rId15"/>
+    <p:sldId id="269" r:id="rId16"/>
+    <p:sldId id="270" r:id="rId17"/>
   </p:sldIdLst>
   <p:sldSz cx="12192000" cy="6858000"/>
   <p:notesSz cx="6858000" cy="9144000"/>
@@ -217,7 +218,7 @@
           <a:p>
             <a:fld id="{F5CF6F07-80D9-408C-8205-7D767B48EE2F}" type="datetimeFigureOut">
               <a:rPr lang="en-US" smtClean="0"/>
-              <a:t>6/9/2024</a:t>
+              <a:t>6/10/2024</a:t>
             </a:fld>
             <a:endParaRPr lang="en-US"/>
           </a:p>
@@ -386,7 +387,7 @@
           <a:p>
             <a:fld id="{968FF76F-44AC-4339-918F-6ACA393D53B9}" type="datetimeFigureOut">
               <a:rPr lang="en-US" smtClean="0"/>
-              <a:t>6/9/2024</a:t>
+              <a:t>6/10/2024</a:t>
             </a:fld>
             <a:endParaRPr lang="en-US"/>
           </a:p>
@@ -6125,6 +6126,245 @@
       </p:grpSpPr>
       <p:sp>
         <p:nvSpPr>
+          <p:cNvPr id="3" name="İçerik Yer Tutucusu 2">
+            <a:extLst>
+              <a:ext uri="{FF2B5EF4-FFF2-40B4-BE49-F238E27FC236}">
+                <a16:creationId xmlns:a16="http://schemas.microsoft.com/office/drawing/2014/main" id="{96F5DEEF-30BF-2FC9-487A-93D788FE43EA}"/>
+              </a:ext>
+            </a:extLst>
+          </p:cNvPr>
+          <p:cNvSpPr>
+            <a:spLocks noGrp="1"/>
+          </p:cNvSpPr>
+          <p:nvPr>
+            <p:ph idx="1"/>
+          </p:nvPr>
+        </p:nvSpPr>
+        <p:spPr>
+          <a:xfrm>
+            <a:off x="5562600" y="1767840"/>
+            <a:ext cx="6339840" cy="4101254"/>
+          </a:xfrm>
+        </p:spPr>
+        <p:txBody>
+          <a:bodyPr>
+            <a:normAutofit fontScale="85000" lnSpcReduction="10000"/>
+          </a:bodyPr>
+          <a:lstStyle/>
+          <a:p>
+            <a:r>
+              <a:rPr lang="tr-TR" sz="2800" dirty="0"/>
+              <a:t>Daha geniş veri setlerinin kullanımı, özellikle sosyal medya verilerinin entegrasyonu, yapay zeka modellerinin insan kaynakları süreçlerinde daha etkili hale gelmesini sağlayabilir. Sosyal medya verileri, adayların sosyal ilişkileri, hobileri ve yaşam tarzları hakkında değerli bilgiler sağlayabilir. Bu bilgiler, CV'de yer alan teknik niteliklerden daha fazla anlam taşıyabilir. Ancak, bu tür verilerin kullanımı etik tartışmalara neden olabilir ve adayların gizliliği konusunda endişelere yol açabilir. Bu nedenle, sosyal medya verilerinin kullanımıyla ilgili etik sorunlar dikkate alınmalı ve adayların rızası ön planda tutulmalıdır.</a:t>
+            </a:r>
+          </a:p>
+        </p:txBody>
+      </p:sp>
+      <p:sp>
+        <p:nvSpPr>
+          <p:cNvPr id="4" name="Veri Yer Tutucusu 3">
+            <a:extLst>
+              <a:ext uri="{FF2B5EF4-FFF2-40B4-BE49-F238E27FC236}">
+                <a16:creationId xmlns:a16="http://schemas.microsoft.com/office/drawing/2014/main" id="{C529CFCF-5530-0386-E4A0-B32F50E5361D}"/>
+              </a:ext>
+            </a:extLst>
+          </p:cNvPr>
+          <p:cNvSpPr>
+            <a:spLocks noGrp="1"/>
+          </p:cNvSpPr>
+          <p:nvPr>
+            <p:ph type="dt" sz="half" idx="10"/>
+          </p:nvPr>
+        </p:nvSpPr>
+        <p:spPr/>
+        <p:txBody>
+          <a:bodyPr/>
+          <a:lstStyle/>
+          <a:p>
+            <a:r>
+              <a:rPr lang="en-US"/>
+              <a:t>13/06/2024</a:t>
+            </a:r>
+          </a:p>
+        </p:txBody>
+      </p:sp>
+      <p:sp>
+        <p:nvSpPr>
+          <p:cNvPr id="5" name="Slayt Numarası Yer Tutucusu 4">
+            <a:extLst>
+              <a:ext uri="{FF2B5EF4-FFF2-40B4-BE49-F238E27FC236}">
+                <a16:creationId xmlns:a16="http://schemas.microsoft.com/office/drawing/2014/main" id="{1EFA1C71-6578-B411-BDB9-14C80863FDCC}"/>
+              </a:ext>
+            </a:extLst>
+          </p:cNvPr>
+          <p:cNvSpPr>
+            <a:spLocks noGrp="1"/>
+          </p:cNvSpPr>
+          <p:nvPr>
+            <p:ph type="sldNum" sz="quarter" idx="12"/>
+          </p:nvPr>
+        </p:nvSpPr>
+        <p:spPr/>
+        <p:txBody>
+          <a:bodyPr/>
+          <a:lstStyle/>
+          <a:p>
+            <a:fld id="{737DD9CB-78BB-4B95-9ED2-4C91B1108648}" type="slidenum">
+              <a:rPr lang="en-US" smtClean="0"/>
+              <a:t>14</a:t>
+            </a:fld>
+            <a:endParaRPr lang="en-US"/>
+          </a:p>
+        </p:txBody>
+      </p:sp>
+      <p:pic>
+        <p:nvPicPr>
+          <p:cNvPr id="6" name="Resim 5" descr="sanat, ekran görüntüsü, kişi, şahıs, hafif içeren bir resim&#10;&#10;Açıklama otomatik olarak oluşturuldu">
+            <a:extLst>
+              <a:ext uri="{FF2B5EF4-FFF2-40B4-BE49-F238E27FC236}">
+                <a16:creationId xmlns:a16="http://schemas.microsoft.com/office/drawing/2014/main" id="{FB14D94A-A7C1-E6A5-707E-1F853ABF11EE}"/>
+              </a:ext>
+            </a:extLst>
+          </p:cNvPr>
+          <p:cNvPicPr>
+            <a:picLocks noChangeAspect="1"/>
+          </p:cNvPicPr>
+          <p:nvPr/>
+        </p:nvPicPr>
+        <p:blipFill>
+          <a:blip r:embed="rId2">
+            <a:extLst>
+              <a:ext uri="{28A0092B-C50C-407E-A947-70E740481C1C}">
+                <a14:useLocalDpi xmlns:a14="http://schemas.microsoft.com/office/drawing/2010/main" val="0"/>
+              </a:ext>
+            </a:extLst>
+          </a:blip>
+          <a:stretch>
+            <a:fillRect/>
+          </a:stretch>
+        </p:blipFill>
+        <p:spPr>
+          <a:xfrm>
+            <a:off x="289560" y="762000"/>
+            <a:ext cx="5120640" cy="5227320"/>
+          </a:xfrm>
+          <a:prstGeom prst="rect">
+            <a:avLst/>
+          </a:prstGeom>
+        </p:spPr>
+      </p:pic>
+      <p:pic>
+        <p:nvPicPr>
+          <p:cNvPr id="7" name="Picture 2" descr="Bursa Teknik Üniversitesi - Vikipedi">
+            <a:extLst>
+              <a:ext uri="{FF2B5EF4-FFF2-40B4-BE49-F238E27FC236}">
+                <a16:creationId xmlns:a16="http://schemas.microsoft.com/office/drawing/2014/main" id="{D03CA536-DAED-E222-2173-0E01E04B472D}"/>
+              </a:ext>
+            </a:extLst>
+          </p:cNvPr>
+          <p:cNvPicPr>
+            <a:picLocks noChangeAspect="1" noChangeArrowheads="1"/>
+          </p:cNvPicPr>
+          <p:nvPr/>
+        </p:nvPicPr>
+        <p:blipFill>
+          <a:blip r:embed="rId3" cstate="print">
+            <a:extLst>
+              <a:ext uri="{28A0092B-C50C-407E-A947-70E740481C1C}">
+                <a14:useLocalDpi xmlns:a14="http://schemas.microsoft.com/office/drawing/2010/main" val="0"/>
+              </a:ext>
+            </a:extLst>
+          </a:blip>
+          <a:srcRect/>
+          <a:stretch>
+            <a:fillRect/>
+          </a:stretch>
+        </p:blipFill>
+        <p:spPr bwMode="auto">
+          <a:xfrm>
+            <a:off x="252853" y="165275"/>
+            <a:ext cx="1109019" cy="1109019"/>
+          </a:xfrm>
+          <a:prstGeom prst="rect">
+            <a:avLst/>
+          </a:prstGeom>
+          <a:noFill/>
+          <a:extLst>
+            <a:ext uri="{909E8E84-426E-40DD-AFC4-6F175D3DCCD1}">
+              <a14:hiddenFill xmlns:a14="http://schemas.microsoft.com/office/drawing/2010/main">
+                <a:solidFill>
+                  <a:srgbClr val="FFFFFF"/>
+                </a:solidFill>
+              </a14:hiddenFill>
+            </a:ext>
+          </a:extLst>
+        </p:spPr>
+      </p:pic>
+      <p:sp>
+        <p:nvSpPr>
+          <p:cNvPr id="10" name="Title 1">
+            <a:extLst>
+              <a:ext uri="{FF2B5EF4-FFF2-40B4-BE49-F238E27FC236}">
+                <a16:creationId xmlns:a16="http://schemas.microsoft.com/office/drawing/2014/main" id="{8891C7D9-9053-E489-BD67-A6D8AF2F6F73}"/>
+              </a:ext>
+            </a:extLst>
+          </p:cNvPr>
+          <p:cNvSpPr>
+            <a:spLocks noGrp="1"/>
+          </p:cNvSpPr>
+          <p:nvPr>
+            <p:ph type="title"/>
+          </p:nvPr>
+        </p:nvSpPr>
+        <p:spPr>
+          <a:xfrm>
+            <a:off x="5718347" y="36621"/>
+            <a:ext cx="9463067" cy="1450757"/>
+          </a:xfrm>
+        </p:spPr>
+        <p:txBody>
+          <a:bodyPr/>
+          <a:lstStyle/>
+          <a:p>
+            <a:r>
+              <a:rPr lang="tr-TR" b="1" dirty="0"/>
+              <a:t>Değerlendirme-2</a:t>
+            </a:r>
+            <a:endParaRPr lang="en-US" b="1" dirty="0"/>
+          </a:p>
+        </p:txBody>
+      </p:sp>
+    </p:spTree>
+    <p:extLst>
+      <p:ext uri="{BB962C8B-B14F-4D97-AF65-F5344CB8AC3E}">
+        <p14:creationId xmlns:p14="http://schemas.microsoft.com/office/powerpoint/2010/main" val="336811600"/>
+      </p:ext>
+    </p:extLst>
+  </p:cSld>
+  <p:clrMapOvr>
+    <a:masterClrMapping/>
+  </p:clrMapOvr>
+</p:sld>
+</file>
+
+<file path=ppt/slides/slide15.xml><?xml version="1.0" encoding="utf-8"?>
+<p:sld xmlns:a="http://schemas.openxmlformats.org/drawingml/2006/main" xmlns:r="http://schemas.openxmlformats.org/officeDocument/2006/relationships" xmlns:p="http://schemas.openxmlformats.org/presentationml/2006/main">
+  <p:cSld>
+    <p:spTree>
+      <p:nvGrpSpPr>
+        <p:cNvPr id="1" name=""/>
+        <p:cNvGrpSpPr/>
+        <p:nvPr/>
+      </p:nvGrpSpPr>
+      <p:grpSpPr>
+        <a:xfrm>
+          <a:off x="0" y="0"/>
+          <a:ext cx="0" cy="0"/>
+          <a:chOff x="0" y="0"/>
+          <a:chExt cx="0" cy="0"/>
+        </a:xfrm>
+      </p:grpSpPr>
+      <p:sp>
+        <p:nvSpPr>
           <p:cNvPr id="2" name="Title 1"/>
           <p:cNvSpPr>
             <a:spLocks noGrp="1"/>
@@ -6464,7 +6704,7 @@
           <a:p>
             <a:fld id="{737DD9CB-78BB-4B95-9ED2-4C91B1108648}" type="slidenum">
               <a:rPr lang="en-US" smtClean="0"/>
-              <a:t>14</a:t>
+              <a:t>15</a:t>
             </a:fld>
             <a:endParaRPr lang="en-US"/>
           </a:p>
@@ -6546,7 +6786,7 @@
 </p:sld>
 </file>
 
-<file path=ppt/slides/slide15.xml><?xml version="1.0" encoding="utf-8"?>
+<file path=ppt/slides/slide16.xml><?xml version="1.0" encoding="utf-8"?>
 <p:sld xmlns:a="http://schemas.openxmlformats.org/drawingml/2006/main" xmlns:r="http://schemas.openxmlformats.org/officeDocument/2006/relationships" xmlns:p="http://schemas.openxmlformats.org/presentationml/2006/main">
   <p:cSld>
     <p:spTree>
@@ -6621,7 +6861,7 @@
           <a:p>
             <a:fld id="{737DD9CB-78BB-4B95-9ED2-4C91B1108648}" type="slidenum">
               <a:rPr lang="en-US" smtClean="0"/>
-              <a:t>15</a:t>
+              <a:t>16</a:t>
             </a:fld>
             <a:endParaRPr lang="en-US"/>
           </a:p>
@@ -7106,7 +7346,7 @@
                 <a:effectLst/>
                 <a:latin typeface="Calibri" panose="020F0502020204030204" pitchFamily="34" charset="0"/>
               </a:rPr>
-              <a:t>Uygulamanın / Sistemin Geliştirilmesi</a:t>
+              <a:t>Uygulamanın / Sistemin Geliştirilmesi /-2 </a:t>
             </a:r>
             <a:endParaRPr lang="tr-TR" sz="1600" b="1" i="0" u="none" strike="noStrike" dirty="0">
               <a:solidFill>
@@ -7193,7 +7433,7 @@
                 <a:effectLst/>
                 <a:latin typeface="Calibri" panose="020F0502020204030204" pitchFamily="34" charset="0"/>
               </a:rPr>
-              <a:t>Değerlendirme</a:t>
+              <a:t>Değerlendirme-/2</a:t>
             </a:r>
             <a:endParaRPr lang="tr-TR" sz="1800" b="1" i="0" u="none" strike="noStrike" dirty="0">
               <a:solidFill>
@@ -7654,8 +7894,8 @@
         </p:nvSpPr>
         <p:spPr>
           <a:xfrm>
-            <a:off x="1692612" y="2023953"/>
-            <a:ext cx="3619090" cy="3416320"/>
+            <a:off x="878774" y="1836415"/>
+            <a:ext cx="4432928" cy="4524315"/>
           </a:xfrm>
           <a:prstGeom prst="rect">
             <a:avLst/>
@@ -7673,28 +7913,21 @@
               <a:buChar char="•"/>
             </a:pPr>
             <a:r>
-              <a:rPr lang="tr-TR" sz="1800" b="1" i="0" dirty="0">
+              <a:rPr lang="tr-TR" sz="2400" b="0" i="0" dirty="0">
                 <a:effectLst/>
                 <a:latin typeface="ui-sans-serif"/>
               </a:rPr>
-              <a:t>Proje Tanıtımı</a:t>
-            </a:r>
-            <a:r>
-              <a:rPr lang="tr-TR" sz="1800" b="0" i="0" dirty="0">
+              <a:t>Bu projede, doğal dil işleme (NLP) tekniklerini kullanarak BERT modeli </a:t>
+            </a:r>
+            <a:r>
+              <a:rPr lang="tr-TR" sz="2400" b="0" i="0" dirty="0" err="1">
                 <a:effectLst/>
                 <a:latin typeface="ui-sans-serif"/>
               </a:rPr>
-              <a:t>: Bu projede, doğal dil işleme (NLP) tekniklerini kullanarak BERT modeli </a:t>
-            </a:r>
-            <a:r>
-              <a:rPr lang="tr-TR" sz="1800" b="0" i="0" dirty="0" err="1">
-                <a:effectLst/>
-                <a:latin typeface="ui-sans-serif"/>
-              </a:rPr>
               <a:t>startup'lar</a:t>
             </a:r>
             <a:r>
-              <a:rPr lang="tr-TR" sz="1800" b="0" i="0" dirty="0">
+              <a:rPr lang="tr-TR" sz="2400" b="0" i="0" dirty="0">
                 <a:effectLst/>
                 <a:latin typeface="ui-sans-serif"/>
               </a:rPr>
@@ -7707,14 +7940,14 @@
               <a:buChar char="•"/>
             </a:pPr>
             <a:r>
-              <a:rPr lang="tr-TR" sz="1800" b="1" i="0" dirty="0">
+              <a:rPr lang="tr-TR" sz="2400" b="1" i="0" dirty="0">
                 <a:effectLst/>
                 <a:latin typeface="ui-sans-serif"/>
               </a:rPr>
               <a:t>Projenin Amacı</a:t>
             </a:r>
             <a:r>
-              <a:rPr lang="tr-TR" sz="1800" b="0" i="0" dirty="0">
+              <a:rPr lang="tr-TR" sz="2400" b="0" i="0" dirty="0">
                 <a:effectLst/>
                 <a:latin typeface="ui-sans-serif"/>
               </a:rPr>
@@ -7727,28 +7960,28 @@
               <a:buChar char="•"/>
             </a:pPr>
             <a:r>
-              <a:rPr lang="tr-TR" sz="1800" b="1" i="0" dirty="0">
+              <a:rPr lang="tr-TR" sz="2400" b="1" i="0" dirty="0">
                 <a:effectLst/>
                 <a:latin typeface="ui-sans-serif"/>
               </a:rPr>
               <a:t>Projenin Önemi</a:t>
             </a:r>
             <a:r>
-              <a:rPr lang="tr-TR" sz="1800" b="0" i="0" dirty="0">
+              <a:rPr lang="tr-TR" sz="2400" b="0" i="0" dirty="0">
                 <a:effectLst/>
                 <a:latin typeface="ui-sans-serif"/>
               </a:rPr>
               <a:t>: Uygun mentorlar bulmak, </a:t>
             </a:r>
             <a:r>
-              <a:rPr lang="tr-TR" sz="1800" b="0" i="0" dirty="0" err="1">
+              <a:rPr lang="tr-TR" sz="2400" b="0" i="0" dirty="0" err="1">
                 <a:effectLst/>
                 <a:latin typeface="ui-sans-serif"/>
               </a:rPr>
               <a:t>startup'ların</a:t>
             </a:r>
             <a:r>
-              <a:rPr lang="tr-TR" sz="1800" b="0" i="0" dirty="0">
+              <a:rPr lang="tr-TR" sz="2400" b="0" i="0" dirty="0">
                 <a:effectLst/>
                 <a:latin typeface="ui-sans-serif"/>
               </a:rPr>
@@ -7756,7 +7989,7 @@
             </a:r>
           </a:p>
           <a:p>
-            <a:endParaRPr lang="tr-TR" sz="1800" dirty="0"/>
+            <a:endParaRPr lang="tr-TR" sz="2400" dirty="0"/>
           </a:p>
         </p:txBody>
       </p:sp>
@@ -8467,7 +8700,7 @@
         </p:blipFill>
         <p:spPr>
           <a:xfrm>
-            <a:off x="5839068" y="321670"/>
+            <a:off x="5803477" y="0"/>
             <a:ext cx="3519312" cy="3007909"/>
           </a:xfrm>
           <a:custGeom>
@@ -8866,19 +9099,19 @@
           </a:p>
           <a:p>
             <a:r>
-              <a:rPr lang="tr-TR" sz="1800" dirty="0" err="1"/>
+              <a:rPr lang="tr-TR" sz="1800" b="1" dirty="0" err="1"/>
               <a:t>Tokenleştirme</a:t>
             </a:r>
             <a:r>
-              <a:rPr lang="tr-TR" sz="1800" dirty="0"/>
+              <a:rPr lang="tr-TR" sz="1800" b="1" dirty="0"/>
               <a:t> ve </a:t>
             </a:r>
             <a:r>
-              <a:rPr lang="tr-TR" sz="1800" dirty="0" err="1"/>
+              <a:rPr lang="tr-TR" sz="1800" b="1" dirty="0" err="1"/>
               <a:t>Vektörleştirme</a:t>
             </a:r>
             <a:r>
-              <a:rPr lang="tr-TR" sz="1800" dirty="0"/>
+              <a:rPr lang="tr-TR" sz="1800" b="1" dirty="0"/>
               <a:t>:</a:t>
             </a:r>
           </a:p>
@@ -12601,7 +12834,7 @@
         </p:blipFill>
         <p:spPr>
           <a:xfrm>
-            <a:off x="1848134" y="1737360"/>
+            <a:off x="1800632" y="1758142"/>
             <a:ext cx="5223510" cy="4511040"/>
           </a:xfrm>
           <a:prstGeom prst="rect">
@@ -12609,6 +12842,77 @@
           </a:prstGeom>
         </p:spPr>
       </p:pic>
+      <p:pic>
+        <p:nvPicPr>
+          <p:cNvPr id="21" name="Resim 20" descr="kurtçuk içeren bir resim&#10;&#10;Açıklama otomatik olarak oluşturuldu">
+            <a:extLst>
+              <a:ext uri="{FF2B5EF4-FFF2-40B4-BE49-F238E27FC236}">
+                <a16:creationId xmlns:a16="http://schemas.microsoft.com/office/drawing/2014/main" id="{7B0124B6-A398-0465-0936-F9A3374F9833}"/>
+              </a:ext>
+            </a:extLst>
+          </p:cNvPr>
+          <p:cNvPicPr>
+            <a:picLocks noChangeAspect="1"/>
+          </p:cNvPicPr>
+          <p:nvPr/>
+        </p:nvPicPr>
+        <p:blipFill>
+          <a:blip r:embed="rId4">
+            <a:extLst>
+              <a:ext uri="{28A0092B-C50C-407E-A947-70E740481C1C}">
+                <a14:useLocalDpi xmlns:a14="http://schemas.microsoft.com/office/drawing/2010/main" val="0"/>
+              </a:ext>
+            </a:extLst>
+          </a:blip>
+          <a:stretch>
+            <a:fillRect/>
+          </a:stretch>
+        </p:blipFill>
+        <p:spPr>
+          <a:xfrm>
+            <a:off x="1361872" y="1758141"/>
+            <a:ext cx="3021455" cy="3021455"/>
+          </a:xfrm>
+          <a:prstGeom prst="rect">
+            <a:avLst/>
+          </a:prstGeom>
+        </p:spPr>
+      </p:pic>
+      <p:sp>
+        <p:nvSpPr>
+          <p:cNvPr id="22" name="Metin kutusu 21">
+            <a:extLst>
+              <a:ext uri="{FF2B5EF4-FFF2-40B4-BE49-F238E27FC236}">
+                <a16:creationId xmlns:a16="http://schemas.microsoft.com/office/drawing/2014/main" id="{C301CCED-E095-5EA3-1A36-5D0D8D302AAD}"/>
+              </a:ext>
+            </a:extLst>
+          </p:cNvPr>
+          <p:cNvSpPr txBox="1"/>
+          <p:nvPr/>
+        </p:nvSpPr>
+        <p:spPr>
+          <a:xfrm>
+            <a:off x="358140" y="2884296"/>
+            <a:ext cx="1478280" cy="769441"/>
+          </a:xfrm>
+          <a:prstGeom prst="rect">
+            <a:avLst/>
+          </a:prstGeom>
+          <a:noFill/>
+        </p:spPr>
+        <p:txBody>
+          <a:bodyPr wrap="square" rtlCol="0">
+            <a:spAutoFit/>
+          </a:bodyPr>
+          <a:lstStyle/>
+          <a:p>
+            <a:r>
+              <a:rPr lang="tr-TR" sz="4400" dirty="0"/>
+              <a:t>BERT</a:t>
+            </a:r>
+          </a:p>
+        </p:txBody>
+      </p:sp>
     </p:spTree>
     <p:extLst>
       <p:ext uri="{BB962C8B-B14F-4D97-AF65-F5344CB8AC3E}">

--- a/19360859053_HumeyraCimen_BitirmeSunum.pptx
+++ b/19360859053_HumeyraCimen_BitirmeSunum.pptx
@@ -5,10 +5,10 @@
     <p:sldMasterId id="2147483684" r:id="rId1"/>
   </p:sldMasterIdLst>
   <p:notesMasterIdLst>
-    <p:notesMasterId r:id="rId18"/>
+    <p:notesMasterId r:id="rId19"/>
   </p:notesMasterIdLst>
   <p:handoutMasterIdLst>
-    <p:handoutMasterId r:id="rId19"/>
+    <p:handoutMasterId r:id="rId20"/>
   </p:handoutMasterIdLst>
   <p:sldIdLst>
     <p:sldId id="256" r:id="rId2"/>
@@ -21,12 +21,13 @@
     <p:sldId id="264" r:id="rId9"/>
     <p:sldId id="265" r:id="rId10"/>
     <p:sldId id="271" r:id="rId11"/>
-    <p:sldId id="266" r:id="rId12"/>
-    <p:sldId id="267" r:id="rId13"/>
-    <p:sldId id="268" r:id="rId14"/>
-    <p:sldId id="272" r:id="rId15"/>
-    <p:sldId id="269" r:id="rId16"/>
-    <p:sldId id="270" r:id="rId17"/>
+    <p:sldId id="273" r:id="rId12"/>
+    <p:sldId id="266" r:id="rId13"/>
+    <p:sldId id="267" r:id="rId14"/>
+    <p:sldId id="268" r:id="rId15"/>
+    <p:sldId id="272" r:id="rId16"/>
+    <p:sldId id="269" r:id="rId17"/>
+    <p:sldId id="270" r:id="rId18"/>
   </p:sldIdLst>
   <p:sldSz cx="12192000" cy="6858000"/>
   <p:notesSz cx="6858000" cy="9144000"/>
@@ -300,6 +301,412 @@
   <p:clrMap bg1="lt1" tx1="dk1" bg2="lt2" tx2="dk2" accent1="accent1" accent2="accent2" accent3="accent3" accent4="accent4" accent5="accent5" accent6="accent6" hlink="hlink" folHlink="folHlink"/>
   <p:hf ftr="0" dt="0"/>
 </p:handoutMaster>
+</file>
+
+<file path=ppt/ink/ink1.xml><?xml version="1.0" encoding="utf-8"?>
+<inkml:ink xmlns:inkml="http://www.w3.org/2003/InkML">
+  <inkml:definitions>
+    <inkml:context xml:id="ctx0">
+      <inkml:inkSource xml:id="inkSrc0">
+        <inkml:traceFormat>
+          <inkml:channel name="X" type="integer" min="-2.14748E9" max="2.14748E9" units="cm"/>
+          <inkml:channel name="Y" type="integer" min="-2.14748E9" max="2.14748E9" units="cm"/>
+        </inkml:traceFormat>
+        <inkml:channelProperties>
+          <inkml:channelProperty channel="X" name="resolution" value="1000" units="1/cm"/>
+          <inkml:channelProperty channel="Y" name="resolution" value="1000" units="1/cm"/>
+        </inkml:channelProperties>
+      </inkml:inkSource>
+      <inkml:timestamp xml:id="ts0" timeString="2024-06-10T11:17:27.487"/>
+    </inkml:context>
+    <inkml:brush xml:id="br0">
+      <inkml:brushProperty name="width" value="0.3" units="cm"/>
+      <inkml:brushProperty name="height" value="0.6" units="cm"/>
+      <inkml:brushProperty name="color" value="#FFFC00"/>
+      <inkml:brushProperty name="tip" value="rectangle"/>
+      <inkml:brushProperty name="rasterOp" value="maskPen"/>
+      <inkml:brushProperty name="ignorePressure" value="1"/>
+    </inkml:brush>
+  </inkml:definitions>
+  <inkml:trace contextRef="#ctx0" brushRef="#br0">0 134,'1207'0,"-1050"-4,248-38,87-21,2 38,480 28,-928 0,82 14,-66-7,94 23,-98-19,75 9,-119-22</inkml:trace>
+</inkml:ink>
+</file>
+
+<file path=ppt/ink/ink10.xml><?xml version="1.0" encoding="utf-8"?>
+<inkml:ink xmlns:inkml="http://www.w3.org/2003/InkML">
+  <inkml:definitions>
+    <inkml:context xml:id="ctx0">
+      <inkml:inkSource xml:id="inkSrc0">
+        <inkml:traceFormat>
+          <inkml:channel name="X" type="integer" min="-2.14748E9" max="2.14748E9" units="cm"/>
+          <inkml:channel name="Y" type="integer" min="-2.14748E9" max="2.14748E9" units="cm"/>
+        </inkml:traceFormat>
+        <inkml:channelProperties>
+          <inkml:channelProperty channel="X" name="resolution" value="1000" units="1/cm"/>
+          <inkml:channelProperty channel="Y" name="resolution" value="1000" units="1/cm"/>
+        </inkml:channelProperties>
+      </inkml:inkSource>
+      <inkml:timestamp xml:id="ts0" timeString="2024-06-10T11:17:52.576"/>
+    </inkml:context>
+    <inkml:brush xml:id="br0">
+      <inkml:brushProperty name="width" value="0.3" units="cm"/>
+      <inkml:brushProperty name="height" value="0.6" units="cm"/>
+      <inkml:brushProperty name="color" value="#FFFC00"/>
+      <inkml:brushProperty name="tip" value="rectangle"/>
+      <inkml:brushProperty name="rasterOp" value="maskPen"/>
+      <inkml:brushProperty name="ignorePressure" value="1"/>
+    </inkml:brush>
+  </inkml:definitions>
+  <inkml:trace contextRef="#ctx0" brushRef="#br0">1 0,'913'0,"-899"0</inkml:trace>
+</inkml:ink>
+</file>
+
+<file path=ppt/ink/ink11.xml><?xml version="1.0" encoding="utf-8"?>
+<inkml:ink xmlns:inkml="http://www.w3.org/2003/InkML">
+  <inkml:definitions>
+    <inkml:context xml:id="ctx0">
+      <inkml:inkSource xml:id="inkSrc0">
+        <inkml:traceFormat>
+          <inkml:channel name="X" type="integer" min="-2.14748E9" max="2.14748E9" units="cm"/>
+          <inkml:channel name="Y" type="integer" min="-2.14748E9" max="2.14748E9" units="cm"/>
+        </inkml:traceFormat>
+        <inkml:channelProperties>
+          <inkml:channelProperty channel="X" name="resolution" value="1000" units="1/cm"/>
+          <inkml:channelProperty channel="Y" name="resolution" value="1000" units="1/cm"/>
+        </inkml:channelProperties>
+      </inkml:inkSource>
+      <inkml:timestamp xml:id="ts0" timeString="2024-06-10T11:18:05.832"/>
+    </inkml:context>
+    <inkml:brush xml:id="br0">
+      <inkml:brushProperty name="width" value="0.3" units="cm"/>
+      <inkml:brushProperty name="height" value="0.6" units="cm"/>
+      <inkml:brushProperty name="color" value="#FF2500"/>
+      <inkml:brushProperty name="tip" value="rectangle"/>
+      <inkml:brushProperty name="rasterOp" value="maskPen"/>
+      <inkml:brushProperty name="ignorePressure" value="1"/>
+    </inkml:brush>
+  </inkml:definitions>
+  <inkml:trace contextRef="#ctx0" brushRef="#br0">0 0,'2073'0,"-1993"4,148 27,-140-16,96 4,212-18,-178-3,442 2,-632 0</inkml:trace>
+</inkml:ink>
+</file>
+
+<file path=ppt/ink/ink12.xml><?xml version="1.0" encoding="utf-8"?>
+<inkml:ink xmlns:inkml="http://www.w3.org/2003/InkML">
+  <inkml:definitions>
+    <inkml:context xml:id="ctx0">
+      <inkml:inkSource xml:id="inkSrc0">
+        <inkml:traceFormat>
+          <inkml:channel name="X" type="integer" min="-2.14748E9" max="2.14748E9" units="cm"/>
+          <inkml:channel name="Y" type="integer" min="-2.14748E9" max="2.14748E9" units="cm"/>
+        </inkml:traceFormat>
+        <inkml:channelProperties>
+          <inkml:channelProperty channel="X" name="resolution" value="1000" units="1/cm"/>
+          <inkml:channelProperty channel="Y" name="resolution" value="1000" units="1/cm"/>
+        </inkml:channelProperties>
+      </inkml:inkSource>
+      <inkml:timestamp xml:id="ts0" timeString="2024-06-10T11:18:07.964"/>
+    </inkml:context>
+    <inkml:brush xml:id="br0">
+      <inkml:brushProperty name="width" value="0.3" units="cm"/>
+      <inkml:brushProperty name="height" value="0.6" units="cm"/>
+      <inkml:brushProperty name="color" value="#FF2500"/>
+      <inkml:brushProperty name="tip" value="rectangle"/>
+      <inkml:brushProperty name="rasterOp" value="maskPen"/>
+      <inkml:brushProperty name="ignorePressure" value="1"/>
+    </inkml:brush>
+  </inkml:definitions>
+  <inkml:trace contextRef="#ctx0" brushRef="#br0">0 101,'106'0,"308"-13,58-6,-383 21,119-5,-115-12,-62 8,42-3,113 10,24-1,-116-15,-63 9,42-3,13 8,-72 3</inkml:trace>
+</inkml:ink>
+</file>
+
+<file path=ppt/ink/ink13.xml><?xml version="1.0" encoding="utf-8"?>
+<inkml:ink xmlns:inkml="http://www.w3.org/2003/InkML">
+  <inkml:definitions>
+    <inkml:context xml:id="ctx0">
+      <inkml:inkSource xml:id="inkSrc0">
+        <inkml:traceFormat>
+          <inkml:channel name="X" type="integer" min="-2.14748E9" max="2.14748E9" units="cm"/>
+          <inkml:channel name="Y" type="integer" min="-2.14748E9" max="2.14748E9" units="cm"/>
+        </inkml:traceFormat>
+        <inkml:channelProperties>
+          <inkml:channelProperty channel="X" name="resolution" value="1000" units="1/cm"/>
+          <inkml:channelProperty channel="Y" name="resolution" value="1000" units="1/cm"/>
+        </inkml:channelProperties>
+      </inkml:inkSource>
+      <inkml:timestamp xml:id="ts0" timeString="2024-06-10T11:18:34.644"/>
+    </inkml:context>
+    <inkml:brush xml:id="br0">
+      <inkml:brushProperty name="width" value="0.3" units="cm"/>
+      <inkml:brushProperty name="height" value="0.6" units="cm"/>
+      <inkml:brushProperty name="color" value="#FF2500"/>
+      <inkml:brushProperty name="tip" value="rectangle"/>
+      <inkml:brushProperty name="rasterOp" value="maskPen"/>
+      <inkml:brushProperty name="ignorePressure" value="1"/>
+    </inkml:brush>
+  </inkml:definitions>
+  <inkml:trace contextRef="#ctx0" brushRef="#br0">0 0,'2294'0,"-2101"17,-4-1,-145-17,-32-1,0 1,0 1,0 0,1 1,-1 0,0 1,15 4,-25-5,0 0,0 0,0 0,0 0,0 1,0-1,0 0,-1 1,1-1,0 1,-1 0,1-1,-1 1,0 0,0 0,0 0,0 0,0 0,0 0,0 0,-1 1,1-1,-1 0,1 0,-1 1,0-1,0 3,-3 12</inkml:trace>
+</inkml:ink>
+</file>
+
+<file path=ppt/ink/ink14.xml><?xml version="1.0" encoding="utf-8"?>
+<inkml:ink xmlns:inkml="http://www.w3.org/2003/InkML">
+  <inkml:definitions>
+    <inkml:context xml:id="ctx0">
+      <inkml:inkSource xml:id="inkSrc0">
+        <inkml:traceFormat>
+          <inkml:channel name="X" type="integer" min="-2.14748E9" max="2.14748E9" units="cm"/>
+          <inkml:channel name="Y" type="integer" min="-2.14748E9" max="2.14748E9" units="cm"/>
+        </inkml:traceFormat>
+        <inkml:channelProperties>
+          <inkml:channelProperty channel="X" name="resolution" value="1000" units="1/cm"/>
+          <inkml:channelProperty channel="Y" name="resolution" value="1000" units="1/cm"/>
+        </inkml:channelProperties>
+      </inkml:inkSource>
+      <inkml:timestamp xml:id="ts0" timeString="2024-06-10T11:18:36.844"/>
+    </inkml:context>
+    <inkml:brush xml:id="br0">
+      <inkml:brushProperty name="width" value="0.3" units="cm"/>
+      <inkml:brushProperty name="height" value="0.6" units="cm"/>
+      <inkml:brushProperty name="color" value="#FF2500"/>
+      <inkml:brushProperty name="tip" value="rectangle"/>
+      <inkml:brushProperty name="rasterOp" value="maskPen"/>
+      <inkml:brushProperty name="ignorePressure" value="1"/>
+    </inkml:brush>
+  </inkml:definitions>
+  <inkml:trace contextRef="#ctx0" brushRef="#br0">1 148,'1552'0,"-1546"1,1-2,0 1,0-1,0 0,-1 0,1-1,-1 0,11-4,-13 4,1-1,-1 0,0 0,0 0,0 0,0-1,-1 0,1 0,-1 0,0 0,0 0,2-5,4-6,1 0,24-25,-21 25,-37 46,12-13</inkml:trace>
+</inkml:ink>
+</file>
+
+<file path=ppt/ink/ink2.xml><?xml version="1.0" encoding="utf-8"?>
+<inkml:ink xmlns:inkml="http://www.w3.org/2003/InkML">
+  <inkml:definitions>
+    <inkml:context xml:id="ctx0">
+      <inkml:inkSource xml:id="inkSrc0">
+        <inkml:traceFormat>
+          <inkml:channel name="X" type="integer" min="-2.14748E9" max="2.14748E9" units="cm"/>
+          <inkml:channel name="Y" type="integer" min="-2.14748E9" max="2.14748E9" units="cm"/>
+        </inkml:traceFormat>
+        <inkml:channelProperties>
+          <inkml:channelProperty channel="X" name="resolution" value="1000" units="1/cm"/>
+          <inkml:channelProperty channel="Y" name="resolution" value="1000" units="1/cm"/>
+        </inkml:channelProperties>
+      </inkml:inkSource>
+      <inkml:timestamp xml:id="ts0" timeString="2024-06-10T11:17:29.878"/>
+    </inkml:context>
+    <inkml:brush xml:id="br0">
+      <inkml:brushProperty name="width" value="0.3" units="cm"/>
+      <inkml:brushProperty name="height" value="0.6" units="cm"/>
+      <inkml:brushProperty name="color" value="#FFFC00"/>
+      <inkml:brushProperty name="tip" value="rectangle"/>
+      <inkml:brushProperty name="rasterOp" value="maskPen"/>
+      <inkml:brushProperty name="ignorePressure" value="1"/>
+    </inkml:brush>
+  </inkml:definitions>
+  <inkml:trace contextRef="#ctx0" brushRef="#br0">1 0,'460'20,"286"68,-352-60,1-28,-143-3,1224 3,-1476 0</inkml:trace>
+</inkml:ink>
+</file>
+
+<file path=ppt/ink/ink3.xml><?xml version="1.0" encoding="utf-8"?>
+<inkml:ink xmlns:inkml="http://www.w3.org/2003/InkML">
+  <inkml:definitions>
+    <inkml:context xml:id="ctx0">
+      <inkml:inkSource xml:id="inkSrc0">
+        <inkml:traceFormat>
+          <inkml:channel name="X" type="integer" min="-2.14748E9" max="2.14748E9" units="cm"/>
+          <inkml:channel name="Y" type="integer" min="-2.14748E9" max="2.14748E9" units="cm"/>
+        </inkml:traceFormat>
+        <inkml:channelProperties>
+          <inkml:channelProperty channel="X" name="resolution" value="1000" units="1/cm"/>
+          <inkml:channelProperty channel="Y" name="resolution" value="1000" units="1/cm"/>
+        </inkml:channelProperties>
+      </inkml:inkSource>
+      <inkml:timestamp xml:id="ts0" timeString="2024-06-10T11:17:32.289"/>
+    </inkml:context>
+    <inkml:brush xml:id="br0">
+      <inkml:brushProperty name="width" value="0.3" units="cm"/>
+      <inkml:brushProperty name="height" value="0.6" units="cm"/>
+      <inkml:brushProperty name="color" value="#FFFC00"/>
+      <inkml:brushProperty name="tip" value="rectangle"/>
+      <inkml:brushProperty name="rasterOp" value="maskPen"/>
+      <inkml:brushProperty name="ignorePressure" value="1"/>
+    </inkml:brush>
+  </inkml:definitions>
+  <inkml:trace contextRef="#ctx0" brushRef="#br0">1 70,'868'-31,"-678"14,80-3,448 18,-353 4,0-2,-332 3,0 0,58 15,-54-10,-27-7,-1 1,1 0,-1 1,0 0,0 1,0 0,0 0,0 1,-1 0,0 0,10 9,-12-8,0-1,0 0,0-1,1 0,-1 0,1 0,0-1,1 1,-1-2,0 1,1-1,-1 0,12 1,3-1,0-1,0-1,30-3,-51 3,-8-1</inkml:trace>
+</inkml:ink>
+</file>
+
+<file path=ppt/ink/ink4.xml><?xml version="1.0" encoding="utf-8"?>
+<inkml:ink xmlns:inkml="http://www.w3.org/2003/InkML">
+  <inkml:definitions>
+    <inkml:context xml:id="ctx0">
+      <inkml:inkSource xml:id="inkSrc0">
+        <inkml:traceFormat>
+          <inkml:channel name="X" type="integer" min="-2.14748E9" max="2.14748E9" units="cm"/>
+          <inkml:channel name="Y" type="integer" min="-2.14748E9" max="2.14748E9" units="cm"/>
+        </inkml:traceFormat>
+        <inkml:channelProperties>
+          <inkml:channelProperty channel="X" name="resolution" value="1000" units="1/cm"/>
+          <inkml:channelProperty channel="Y" name="resolution" value="1000" units="1/cm"/>
+        </inkml:channelProperties>
+      </inkml:inkSource>
+      <inkml:timestamp xml:id="ts0" timeString="2024-06-10T11:17:38.246"/>
+    </inkml:context>
+    <inkml:brush xml:id="br0">
+      <inkml:brushProperty name="width" value="0.3" units="cm"/>
+      <inkml:brushProperty name="height" value="0.6" units="cm"/>
+      <inkml:brushProperty name="color" value="#FFFC00"/>
+      <inkml:brushProperty name="tip" value="rectangle"/>
+      <inkml:brushProperty name="rasterOp" value="maskPen"/>
+      <inkml:brushProperty name="ignorePressure" value="1"/>
+    </inkml:brush>
+  </inkml:definitions>
+  <inkml:trace contextRef="#ctx0" brushRef="#br0">0 70,'2365'0,"-2277"-4,145-25,26-4,253 29,-264 7,324-3,-590 0,-3 0</inkml:trace>
+</inkml:ink>
+</file>
+
+<file path=ppt/ink/ink5.xml><?xml version="1.0" encoding="utf-8"?>
+<inkml:ink xmlns:inkml="http://www.w3.org/2003/InkML">
+  <inkml:definitions>
+    <inkml:context xml:id="ctx0">
+      <inkml:inkSource xml:id="inkSrc0">
+        <inkml:traceFormat>
+          <inkml:channel name="X" type="integer" min="-2.14748E9" max="2.14748E9" units="cm"/>
+          <inkml:channel name="Y" type="integer" min="-2.14748E9" max="2.14748E9" units="cm"/>
+        </inkml:traceFormat>
+        <inkml:channelProperties>
+          <inkml:channelProperty channel="X" name="resolution" value="1000" units="1/cm"/>
+          <inkml:channelProperty channel="Y" name="resolution" value="1000" units="1/cm"/>
+        </inkml:channelProperties>
+      </inkml:inkSource>
+      <inkml:timestamp xml:id="ts0" timeString="2024-06-10T11:17:40.707"/>
+    </inkml:context>
+    <inkml:brush xml:id="br0">
+      <inkml:brushProperty name="width" value="0.3" units="cm"/>
+      <inkml:brushProperty name="height" value="0.6" units="cm"/>
+      <inkml:brushProperty name="color" value="#FFFC00"/>
+      <inkml:brushProperty name="tip" value="rectangle"/>
+      <inkml:brushProperty name="rasterOp" value="maskPen"/>
+      <inkml:brushProperty name="ignorePressure" value="1"/>
+    </inkml:brush>
+  </inkml:definitions>
+  <inkml:trace contextRef="#ctx0" brushRef="#br0">0 102,'294'1,"334"-3,-137-41,-409 34,122-3,-89 8,151-23,258 22,-295 6,-172-1,-19-2,-1 2,0 2,0 1,62 14,-44-3,1-2,0-2,1-3,74 1,-100-7,-2 2,33 7,-30-4,50 3,148-9,-202 0</inkml:trace>
+</inkml:ink>
+</file>
+
+<file path=ppt/ink/ink6.xml><?xml version="1.0" encoding="utf-8"?>
+<inkml:ink xmlns:inkml="http://www.w3.org/2003/InkML">
+  <inkml:definitions>
+    <inkml:context xml:id="ctx0">
+      <inkml:inkSource xml:id="inkSrc0">
+        <inkml:traceFormat>
+          <inkml:channel name="X" type="integer" min="-2.14748E9" max="2.14748E9" units="cm"/>
+          <inkml:channel name="Y" type="integer" min="-2.14748E9" max="2.14748E9" units="cm"/>
+        </inkml:traceFormat>
+        <inkml:channelProperties>
+          <inkml:channelProperty channel="X" name="resolution" value="1000" units="1/cm"/>
+          <inkml:channelProperty channel="Y" name="resolution" value="1000" units="1/cm"/>
+        </inkml:channelProperties>
+      </inkml:inkSource>
+      <inkml:timestamp xml:id="ts0" timeString="2024-06-10T11:17:42.896"/>
+    </inkml:context>
+    <inkml:brush xml:id="br0">
+      <inkml:brushProperty name="width" value="0.3" units="cm"/>
+      <inkml:brushProperty name="height" value="0.6" units="cm"/>
+      <inkml:brushProperty name="color" value="#FFFC00"/>
+      <inkml:brushProperty name="tip" value="rectangle"/>
+      <inkml:brushProperty name="rasterOp" value="maskPen"/>
+      <inkml:brushProperty name="ignorePressure" value="1"/>
+    </inkml:brush>
+  </inkml:definitions>
+  <inkml:trace contextRef="#ctx0" brushRef="#br0">1 0,'2342'0,"-2314"0</inkml:trace>
+</inkml:ink>
+</file>
+
+<file path=ppt/ink/ink7.xml><?xml version="1.0" encoding="utf-8"?>
+<inkml:ink xmlns:inkml="http://www.w3.org/2003/InkML">
+  <inkml:definitions>
+    <inkml:context xml:id="ctx0">
+      <inkml:inkSource xml:id="inkSrc0">
+        <inkml:traceFormat>
+          <inkml:channel name="X" type="integer" min="-2.14748E9" max="2.14748E9" units="cm"/>
+          <inkml:channel name="Y" type="integer" min="-2.14748E9" max="2.14748E9" units="cm"/>
+        </inkml:traceFormat>
+        <inkml:channelProperties>
+          <inkml:channelProperty channel="X" name="resolution" value="1000" units="1/cm"/>
+          <inkml:channelProperty channel="Y" name="resolution" value="1000" units="1/cm"/>
+        </inkml:channelProperties>
+      </inkml:inkSource>
+      <inkml:timestamp xml:id="ts0" timeString="2024-06-10T11:17:44.580"/>
+    </inkml:context>
+    <inkml:brush xml:id="br0">
+      <inkml:brushProperty name="width" value="0.3" units="cm"/>
+      <inkml:brushProperty name="height" value="0.6" units="cm"/>
+      <inkml:brushProperty name="color" value="#FFFC00"/>
+      <inkml:brushProperty name="tip" value="rectangle"/>
+      <inkml:brushProperty name="rasterOp" value="maskPen"/>
+      <inkml:brushProperty name="ignorePressure" value="1"/>
+    </inkml:brush>
+  </inkml:definitions>
+  <inkml:trace contextRef="#ctx0" brushRef="#br0">1 69,'399'-26,"376"-16,8 42,-371 2,918-2,-1323 0,28 2,-33-2,0 0,-1 0,1 0,-1 1,1-1,0 1,-1-1,1 1,-1 0,1 0,-1-1,0 1,1 0,-1 0,0 0,3 3,-4-3,0-1,0 1,0 0,0 0,0 0,0 0,0 0,0 0,0 0,-1 0,1 0,0 0,0-1,-1 1,1 0,-1 0,1 0,-1 0,1-1,-1 1,1 0,-1-1,0 1,1 0,-1-1,0 1,1-1,-1 1,0-1,-1 1,-15 11</inkml:trace>
+</inkml:ink>
+</file>
+
+<file path=ppt/ink/ink8.xml><?xml version="1.0" encoding="utf-8"?>
+<inkml:ink xmlns:inkml="http://www.w3.org/2003/InkML">
+  <inkml:definitions>
+    <inkml:context xml:id="ctx0">
+      <inkml:inkSource xml:id="inkSrc0">
+        <inkml:traceFormat>
+          <inkml:channel name="X" type="integer" min="-2.14748E9" max="2.14748E9" units="cm"/>
+          <inkml:channel name="Y" type="integer" min="-2.14748E9" max="2.14748E9" units="cm"/>
+        </inkml:traceFormat>
+        <inkml:channelProperties>
+          <inkml:channelProperty channel="X" name="resolution" value="1000" units="1/cm"/>
+          <inkml:channelProperty channel="Y" name="resolution" value="1000" units="1/cm"/>
+        </inkml:channelProperties>
+      </inkml:inkSource>
+      <inkml:timestamp xml:id="ts0" timeString="2024-06-10T11:17:46.894"/>
+    </inkml:context>
+    <inkml:brush xml:id="br0">
+      <inkml:brushProperty name="width" value="0.3" units="cm"/>
+      <inkml:brushProperty name="height" value="0.6" units="cm"/>
+      <inkml:brushProperty name="color" value="#FFFC00"/>
+      <inkml:brushProperty name="tip" value="rectangle"/>
+      <inkml:brushProperty name="rasterOp" value="maskPen"/>
+      <inkml:brushProperty name="ignorePressure" value="1"/>
+    </inkml:brush>
+  </inkml:definitions>
+  <inkml:trace contextRef="#ctx0" brushRef="#br0">1 0,'3465'0,"-3434"2,1 2,-1 1,0 1,35 12,-32-9,0 0,69 6,210-13,-150-4,50 2,-213 0</inkml:trace>
+</inkml:ink>
+</file>
+
+<file path=ppt/ink/ink9.xml><?xml version="1.0" encoding="utf-8"?>
+<inkml:ink xmlns:inkml="http://www.w3.org/2003/InkML">
+  <inkml:definitions>
+    <inkml:context xml:id="ctx0">
+      <inkml:inkSource xml:id="inkSrc0">
+        <inkml:traceFormat>
+          <inkml:channel name="X" type="integer" min="-2.14748E9" max="2.14748E9" units="cm"/>
+          <inkml:channel name="Y" type="integer" min="-2.14748E9" max="2.14748E9" units="cm"/>
+        </inkml:traceFormat>
+        <inkml:channelProperties>
+          <inkml:channelProperty channel="X" name="resolution" value="1000" units="1/cm"/>
+          <inkml:channelProperty channel="Y" name="resolution" value="1000" units="1/cm"/>
+        </inkml:channelProperties>
+      </inkml:inkSource>
+      <inkml:timestamp xml:id="ts0" timeString="2024-06-10T11:17:49.259"/>
+    </inkml:context>
+    <inkml:brush xml:id="br0">
+      <inkml:brushProperty name="width" value="0.3" units="cm"/>
+      <inkml:brushProperty name="height" value="0.6" units="cm"/>
+      <inkml:brushProperty name="color" value="#FFFC00"/>
+      <inkml:brushProperty name="tip" value="rectangle"/>
+      <inkml:brushProperty name="rasterOp" value="maskPen"/>
+      <inkml:brushProperty name="ignorePressure" value="1"/>
+    </inkml:brush>
+  </inkml:definitions>
+  <inkml:trace contextRef="#ctx0" brushRef="#br0">1 102,'161'0,"28"-1,1018-49,-427 11,10 28,-255 13,-525-2,26 1,-34-1,0 0,0 0,0 1,0-1,0 1,0 0,0-1,0 1,0 0,0 0,0 0,3 3,-5-4,0 0,0 1,1-1,-1 0,0 0,0 0,0 0,0 1,0-1,0 0,0 0,0 0,1 1,-1-1,0 0,0 0,0 0,0 1,0-1,0 0,0 0,0 0,0 1,0-1,0 0,-1 0,1 0,0 1,0-1,0 0,0 0,0 0,0 1,-7 5</inkml:trace>
+</inkml:ink>
 </file>
 
 <file path=ppt/notesMasters/notesMaster1.xml><?xml version="1.0" encoding="utf-8"?>
@@ -4966,6 +5373,918 @@
       </p:grpSpPr>
       <p:sp>
         <p:nvSpPr>
+          <p:cNvPr id="4" name="Veri Yer Tutucusu 3">
+            <a:extLst>
+              <a:ext uri="{FF2B5EF4-FFF2-40B4-BE49-F238E27FC236}">
+                <a16:creationId xmlns:a16="http://schemas.microsoft.com/office/drawing/2014/main" id="{D093A172-E930-91D1-7CBC-137BFAAA4798}"/>
+              </a:ext>
+            </a:extLst>
+          </p:cNvPr>
+          <p:cNvSpPr>
+            <a:spLocks noGrp="1"/>
+          </p:cNvSpPr>
+          <p:nvPr>
+            <p:ph type="dt" sz="half" idx="10"/>
+          </p:nvPr>
+        </p:nvSpPr>
+        <p:spPr/>
+        <p:txBody>
+          <a:bodyPr/>
+          <a:lstStyle/>
+          <a:p>
+            <a:r>
+              <a:rPr lang="en-US"/>
+              <a:t>13/06/2024</a:t>
+            </a:r>
+          </a:p>
+        </p:txBody>
+      </p:sp>
+      <p:sp>
+        <p:nvSpPr>
+          <p:cNvPr id="5" name="Slayt Numarası Yer Tutucusu 4">
+            <a:extLst>
+              <a:ext uri="{FF2B5EF4-FFF2-40B4-BE49-F238E27FC236}">
+                <a16:creationId xmlns:a16="http://schemas.microsoft.com/office/drawing/2014/main" id="{1AE19257-EB61-0227-A21A-23912712D8C2}"/>
+              </a:ext>
+            </a:extLst>
+          </p:cNvPr>
+          <p:cNvSpPr>
+            <a:spLocks noGrp="1"/>
+          </p:cNvSpPr>
+          <p:nvPr>
+            <p:ph type="sldNum" sz="quarter" idx="12"/>
+          </p:nvPr>
+        </p:nvSpPr>
+        <p:spPr/>
+        <p:txBody>
+          <a:bodyPr/>
+          <a:lstStyle/>
+          <a:p>
+            <a:fld id="{737DD9CB-78BB-4B95-9ED2-4C91B1108648}" type="slidenum">
+              <a:rPr lang="en-US" smtClean="0"/>
+              <a:t>11</a:t>
+            </a:fld>
+            <a:endParaRPr lang="en-US"/>
+          </a:p>
+        </p:txBody>
+      </p:sp>
+      <p:pic>
+        <p:nvPicPr>
+          <p:cNvPr id="11" name="İçerik Yer Tutucusu 10">
+            <a:extLst>
+              <a:ext uri="{FF2B5EF4-FFF2-40B4-BE49-F238E27FC236}">
+                <a16:creationId xmlns:a16="http://schemas.microsoft.com/office/drawing/2014/main" id="{F855E674-E168-3B51-B761-62B90BEE9B00}"/>
+              </a:ext>
+            </a:extLst>
+          </p:cNvPr>
+          <p:cNvPicPr>
+            <a:picLocks noGrp="1" noChangeAspect="1"/>
+          </p:cNvPicPr>
+          <p:nvPr>
+            <p:ph idx="1"/>
+          </p:nvPr>
+        </p:nvPicPr>
+        <p:blipFill>
+          <a:blip r:embed="rId2"/>
+          <a:stretch>
+            <a:fillRect/>
+          </a:stretch>
+        </p:blipFill>
+        <p:spPr>
+          <a:xfrm>
+            <a:off x="2609189" y="1846263"/>
+            <a:ext cx="6478261" cy="4400158"/>
+          </a:xfrm>
+        </p:spPr>
+      </p:pic>
+      <p:sp>
+        <p:nvSpPr>
+          <p:cNvPr id="12" name="Title 1">
+            <a:extLst>
+              <a:ext uri="{FF2B5EF4-FFF2-40B4-BE49-F238E27FC236}">
+                <a16:creationId xmlns:a16="http://schemas.microsoft.com/office/drawing/2014/main" id="{EC315A01-40F8-B01F-DC36-FA963E2C04C2}"/>
+              </a:ext>
+            </a:extLst>
+          </p:cNvPr>
+          <p:cNvSpPr>
+            <a:spLocks noGrp="1"/>
+          </p:cNvSpPr>
+          <p:nvPr>
+            <p:ph type="title"/>
+          </p:nvPr>
+        </p:nvSpPr>
+        <p:spPr>
+          <a:xfrm>
+            <a:off x="1096963" y="287338"/>
+            <a:ext cx="10058400" cy="1449387"/>
+          </a:xfrm>
+        </p:spPr>
+        <p:txBody>
+          <a:bodyPr/>
+          <a:lstStyle/>
+          <a:p>
+            <a:pPr algn="ctr"/>
+            <a:r>
+              <a:rPr lang="tr-TR" b="1" dirty="0"/>
+              <a:t>Neden Kosinüs Benzerliği ?</a:t>
+            </a:r>
+            <a:endParaRPr lang="en-US" b="1" dirty="0"/>
+          </a:p>
+        </p:txBody>
+      </p:sp>
+      <p:pic>
+        <p:nvPicPr>
+          <p:cNvPr id="13" name="Picture 2" descr="Bursa Teknik Üniversitesi - Vikipedi">
+            <a:extLst>
+              <a:ext uri="{FF2B5EF4-FFF2-40B4-BE49-F238E27FC236}">
+                <a16:creationId xmlns:a16="http://schemas.microsoft.com/office/drawing/2014/main" id="{55B2DBFF-07E7-0523-62E6-91798A953F26}"/>
+              </a:ext>
+            </a:extLst>
+          </p:cNvPr>
+          <p:cNvPicPr>
+            <a:picLocks noChangeAspect="1" noChangeArrowheads="1"/>
+          </p:cNvPicPr>
+          <p:nvPr/>
+        </p:nvPicPr>
+        <p:blipFill>
+          <a:blip r:embed="rId3" cstate="print">
+            <a:extLst>
+              <a:ext uri="{28A0092B-C50C-407E-A947-70E740481C1C}">
+                <a14:useLocalDpi xmlns:a14="http://schemas.microsoft.com/office/drawing/2010/main" val="0"/>
+              </a:ext>
+            </a:extLst>
+          </a:blip>
+          <a:srcRect/>
+          <a:stretch>
+            <a:fillRect/>
+          </a:stretch>
+        </p:blipFill>
+        <p:spPr bwMode="auto">
+          <a:xfrm>
+            <a:off x="252853" y="165275"/>
+            <a:ext cx="1109019" cy="1109019"/>
+          </a:xfrm>
+          <a:prstGeom prst="rect">
+            <a:avLst/>
+          </a:prstGeom>
+          <a:noFill/>
+          <a:extLst>
+            <a:ext uri="{909E8E84-426E-40DD-AFC4-6F175D3DCCD1}">
+              <a14:hiddenFill xmlns:a14="http://schemas.microsoft.com/office/drawing/2010/main">
+                <a:solidFill>
+                  <a:srgbClr val="FFFFFF"/>
+                </a:solidFill>
+              </a14:hiddenFill>
+            </a:ext>
+          </a:extLst>
+        </p:spPr>
+      </p:pic>
+      <mc:AlternateContent xmlns:mc="http://schemas.openxmlformats.org/markup-compatibility/2006">
+        <mc:Choice xmlns:p14="http://schemas.microsoft.com/office/powerpoint/2010/main" Requires="p14">
+          <p:contentPart p14:bwMode="auto" r:id="rId4">
+            <p14:nvContentPartPr>
+              <p14:cNvPr id="14" name="Mürekkep 13">
+                <a:extLst>
+                  <a:ext uri="{FF2B5EF4-FFF2-40B4-BE49-F238E27FC236}">
+                    <a16:creationId xmlns:a16="http://schemas.microsoft.com/office/drawing/2014/main" id="{508A7037-9BEE-B6D8-3AA0-36AFFFEBB500}"/>
+                  </a:ext>
+                </a:extLst>
+              </p14:cNvPr>
+              <p14:cNvContentPartPr/>
+              <p14:nvPr/>
+            </p14:nvContentPartPr>
+            <p14:xfrm>
+              <a:off x="4108755" y="3644827"/>
+              <a:ext cx="1557360" cy="48600"/>
+            </p14:xfrm>
+          </p:contentPart>
+        </mc:Choice>
+        <mc:Fallback>
+          <p:pic>
+            <p:nvPicPr>
+              <p:cNvPr id="14" name="Mürekkep 13">
+                <a:extLst>
+                  <a:ext uri="{FF2B5EF4-FFF2-40B4-BE49-F238E27FC236}">
+                    <a16:creationId xmlns:a16="http://schemas.microsoft.com/office/drawing/2014/main" id="{508A7037-9BEE-B6D8-3AA0-36AFFFEBB500}"/>
+                  </a:ext>
+                </a:extLst>
+              </p:cNvPr>
+              <p:cNvPicPr/>
+              <p:nvPr/>
+            </p:nvPicPr>
+            <p:blipFill>
+              <a:blip r:embed="rId5"/>
+              <a:stretch>
+                <a:fillRect/>
+              </a:stretch>
+            </p:blipFill>
+            <p:spPr>
+              <a:xfrm>
+                <a:off x="4054755" y="3536827"/>
+                <a:ext cx="1665000" cy="264240"/>
+              </a:xfrm>
+              <a:prstGeom prst="rect">
+                <a:avLst/>
+              </a:prstGeom>
+            </p:spPr>
+          </p:pic>
+        </mc:Fallback>
+      </mc:AlternateContent>
+      <mc:AlternateContent xmlns:mc="http://schemas.openxmlformats.org/markup-compatibility/2006">
+        <mc:Choice xmlns:p14="http://schemas.microsoft.com/office/powerpoint/2010/main" Requires="p14">
+          <p:contentPart p14:bwMode="auto" r:id="rId6">
+            <p14:nvContentPartPr>
+              <p14:cNvPr id="15" name="Mürekkep 14">
+                <a:extLst>
+                  <a:ext uri="{FF2B5EF4-FFF2-40B4-BE49-F238E27FC236}">
+                    <a16:creationId xmlns:a16="http://schemas.microsoft.com/office/drawing/2014/main" id="{6C8EFBED-CF6E-DE0E-31C0-A493D8BB305F}"/>
+                  </a:ext>
+                </a:extLst>
+              </p14:cNvPr>
+              <p14:cNvContentPartPr/>
+              <p14:nvPr/>
+            </p14:nvContentPartPr>
+            <p14:xfrm>
+              <a:off x="4049355" y="3882787"/>
+              <a:ext cx="1340640" cy="49320"/>
+            </p14:xfrm>
+          </p:contentPart>
+        </mc:Choice>
+        <mc:Fallback>
+          <p:pic>
+            <p:nvPicPr>
+              <p:cNvPr id="15" name="Mürekkep 14">
+                <a:extLst>
+                  <a:ext uri="{FF2B5EF4-FFF2-40B4-BE49-F238E27FC236}">
+                    <a16:creationId xmlns:a16="http://schemas.microsoft.com/office/drawing/2014/main" id="{6C8EFBED-CF6E-DE0E-31C0-A493D8BB305F}"/>
+                  </a:ext>
+                </a:extLst>
+              </p:cNvPr>
+              <p:cNvPicPr/>
+              <p:nvPr/>
+            </p:nvPicPr>
+            <p:blipFill>
+              <a:blip r:embed="rId7"/>
+              <a:stretch>
+                <a:fillRect/>
+              </a:stretch>
+            </p:blipFill>
+            <p:spPr>
+              <a:xfrm>
+                <a:off x="3995715" y="3774787"/>
+                <a:ext cx="1448280" cy="264960"/>
+              </a:xfrm>
+              <a:prstGeom prst="rect">
+                <a:avLst/>
+              </a:prstGeom>
+            </p:spPr>
+          </p:pic>
+        </mc:Fallback>
+      </mc:AlternateContent>
+      <mc:AlternateContent xmlns:mc="http://schemas.openxmlformats.org/markup-compatibility/2006">
+        <mc:Choice xmlns:p14="http://schemas.microsoft.com/office/powerpoint/2010/main" Requires="p14">
+          <p:contentPart p14:bwMode="auto" r:id="rId8">
+            <p14:nvContentPartPr>
+              <p14:cNvPr id="16" name="Mürekkep 15">
+                <a:extLst>
+                  <a:ext uri="{FF2B5EF4-FFF2-40B4-BE49-F238E27FC236}">
+                    <a16:creationId xmlns:a16="http://schemas.microsoft.com/office/drawing/2014/main" id="{791A9B02-25B9-2812-DDAD-D019AA285D60}"/>
+                  </a:ext>
+                </a:extLst>
+              </p14:cNvPr>
+              <p14:cNvContentPartPr/>
+              <p14:nvPr/>
+            </p14:nvContentPartPr>
+            <p14:xfrm>
+              <a:off x="4001475" y="4084027"/>
+              <a:ext cx="1193040" cy="50760"/>
+            </p14:xfrm>
+          </p:contentPart>
+        </mc:Choice>
+        <mc:Fallback>
+          <p:pic>
+            <p:nvPicPr>
+              <p:cNvPr id="16" name="Mürekkep 15">
+                <a:extLst>
+                  <a:ext uri="{FF2B5EF4-FFF2-40B4-BE49-F238E27FC236}">
+                    <a16:creationId xmlns:a16="http://schemas.microsoft.com/office/drawing/2014/main" id="{791A9B02-25B9-2812-DDAD-D019AA285D60}"/>
+                  </a:ext>
+                </a:extLst>
+              </p:cNvPr>
+              <p:cNvPicPr/>
+              <p:nvPr/>
+            </p:nvPicPr>
+            <p:blipFill>
+              <a:blip r:embed="rId9"/>
+              <a:stretch>
+                <a:fillRect/>
+              </a:stretch>
+            </p:blipFill>
+            <p:spPr>
+              <a:xfrm>
+                <a:off x="3947835" y="3976027"/>
+                <a:ext cx="1300680" cy="266400"/>
+              </a:xfrm>
+              <a:prstGeom prst="rect">
+                <a:avLst/>
+              </a:prstGeom>
+            </p:spPr>
+          </p:pic>
+        </mc:Fallback>
+      </mc:AlternateContent>
+      <mc:AlternateContent xmlns:mc="http://schemas.openxmlformats.org/markup-compatibility/2006">
+        <mc:Choice xmlns:p14="http://schemas.microsoft.com/office/powerpoint/2010/main" Requires="p14">
+          <p:contentPart p14:bwMode="auto" r:id="rId10">
+            <p14:nvContentPartPr>
+              <p14:cNvPr id="17" name="Mürekkep 16">
+                <a:extLst>
+                  <a:ext uri="{FF2B5EF4-FFF2-40B4-BE49-F238E27FC236}">
+                    <a16:creationId xmlns:a16="http://schemas.microsoft.com/office/drawing/2014/main" id="{D1978BAA-246D-BB96-C6C5-3D14862CC53B}"/>
+                  </a:ext>
+                </a:extLst>
+              </p14:cNvPr>
+              <p14:cNvContentPartPr/>
+              <p14:nvPr/>
+            </p14:nvContentPartPr>
+            <p14:xfrm>
+              <a:off x="3990315" y="4677667"/>
+              <a:ext cx="1540080" cy="25560"/>
+            </p14:xfrm>
+          </p:contentPart>
+        </mc:Choice>
+        <mc:Fallback>
+          <p:pic>
+            <p:nvPicPr>
+              <p:cNvPr id="17" name="Mürekkep 16">
+                <a:extLst>
+                  <a:ext uri="{FF2B5EF4-FFF2-40B4-BE49-F238E27FC236}">
+                    <a16:creationId xmlns:a16="http://schemas.microsoft.com/office/drawing/2014/main" id="{D1978BAA-246D-BB96-C6C5-3D14862CC53B}"/>
+                  </a:ext>
+                </a:extLst>
+              </p:cNvPr>
+              <p:cNvPicPr/>
+              <p:nvPr/>
+            </p:nvPicPr>
+            <p:blipFill>
+              <a:blip r:embed="rId11"/>
+              <a:stretch>
+                <a:fillRect/>
+              </a:stretch>
+            </p:blipFill>
+            <p:spPr>
+              <a:xfrm>
+                <a:off x="3936315" y="4569667"/>
+                <a:ext cx="1647720" cy="241200"/>
+              </a:xfrm>
+              <a:prstGeom prst="rect">
+                <a:avLst/>
+              </a:prstGeom>
+            </p:spPr>
+          </p:pic>
+        </mc:Fallback>
+      </mc:AlternateContent>
+      <mc:AlternateContent xmlns:mc="http://schemas.openxmlformats.org/markup-compatibility/2006">
+        <mc:Choice xmlns:p14="http://schemas.microsoft.com/office/powerpoint/2010/main" Requires="p14">
+          <p:contentPart p14:bwMode="auto" r:id="rId12">
+            <p14:nvContentPartPr>
+              <p14:cNvPr id="18" name="Mürekkep 17">
+                <a:extLst>
+                  <a:ext uri="{FF2B5EF4-FFF2-40B4-BE49-F238E27FC236}">
+                    <a16:creationId xmlns:a16="http://schemas.microsoft.com/office/drawing/2014/main" id="{E3F3DC3B-4BE2-14BC-C9C6-FDBD04EEB221}"/>
+                  </a:ext>
+                </a:extLst>
+              </p14:cNvPr>
+              <p14:cNvContentPartPr/>
+              <p14:nvPr/>
+            </p14:nvContentPartPr>
+            <p14:xfrm>
+              <a:off x="3990315" y="4903387"/>
+              <a:ext cx="1435680" cy="37440"/>
+            </p14:xfrm>
+          </p:contentPart>
+        </mc:Choice>
+        <mc:Fallback>
+          <p:pic>
+            <p:nvPicPr>
+              <p:cNvPr id="18" name="Mürekkep 17">
+                <a:extLst>
+                  <a:ext uri="{FF2B5EF4-FFF2-40B4-BE49-F238E27FC236}">
+                    <a16:creationId xmlns:a16="http://schemas.microsoft.com/office/drawing/2014/main" id="{E3F3DC3B-4BE2-14BC-C9C6-FDBD04EEB221}"/>
+                  </a:ext>
+                </a:extLst>
+              </p:cNvPr>
+              <p:cNvPicPr/>
+              <p:nvPr/>
+            </p:nvPicPr>
+            <p:blipFill>
+              <a:blip r:embed="rId13"/>
+              <a:stretch>
+                <a:fillRect/>
+              </a:stretch>
+            </p:blipFill>
+            <p:spPr>
+              <a:xfrm>
+                <a:off x="3936315" y="4795387"/>
+                <a:ext cx="1543320" cy="253080"/>
+              </a:xfrm>
+              <a:prstGeom prst="rect">
+                <a:avLst/>
+              </a:prstGeom>
+            </p:spPr>
+          </p:pic>
+        </mc:Fallback>
+      </mc:AlternateContent>
+      <mc:AlternateContent xmlns:mc="http://schemas.openxmlformats.org/markup-compatibility/2006">
+        <mc:Choice xmlns:p14="http://schemas.microsoft.com/office/powerpoint/2010/main" Requires="p14">
+          <p:contentPart p14:bwMode="auto" r:id="rId14">
+            <p14:nvContentPartPr>
+              <p14:cNvPr id="19" name="Mürekkep 18">
+                <a:extLst>
+                  <a:ext uri="{FF2B5EF4-FFF2-40B4-BE49-F238E27FC236}">
+                    <a16:creationId xmlns:a16="http://schemas.microsoft.com/office/drawing/2014/main" id="{82B11C36-F1ED-86EC-D18C-B3A50C1D0E2C}"/>
+                  </a:ext>
+                </a:extLst>
+              </p14:cNvPr>
+              <p14:cNvContentPartPr/>
+              <p14:nvPr/>
+            </p14:nvContentPartPr>
+            <p14:xfrm>
+              <a:off x="4084995" y="5118307"/>
+              <a:ext cx="853920" cy="360"/>
+            </p14:xfrm>
+          </p:contentPart>
+        </mc:Choice>
+        <mc:Fallback>
+          <p:pic>
+            <p:nvPicPr>
+              <p:cNvPr id="19" name="Mürekkep 18">
+                <a:extLst>
+                  <a:ext uri="{FF2B5EF4-FFF2-40B4-BE49-F238E27FC236}">
+                    <a16:creationId xmlns:a16="http://schemas.microsoft.com/office/drawing/2014/main" id="{82B11C36-F1ED-86EC-D18C-B3A50C1D0E2C}"/>
+                  </a:ext>
+                </a:extLst>
+              </p:cNvPr>
+              <p:cNvPicPr/>
+              <p:nvPr/>
+            </p:nvPicPr>
+            <p:blipFill>
+              <a:blip r:embed="rId15"/>
+              <a:stretch>
+                <a:fillRect/>
+              </a:stretch>
+            </p:blipFill>
+            <p:spPr>
+              <a:xfrm>
+                <a:off x="4031355" y="5010307"/>
+                <a:ext cx="961560" cy="216000"/>
+              </a:xfrm>
+              <a:prstGeom prst="rect">
+                <a:avLst/>
+              </a:prstGeom>
+            </p:spPr>
+          </p:pic>
+        </mc:Fallback>
+      </mc:AlternateContent>
+      <mc:AlternateContent xmlns:mc="http://schemas.openxmlformats.org/markup-compatibility/2006">
+        <mc:Choice xmlns:p14="http://schemas.microsoft.com/office/powerpoint/2010/main" Requires="p14">
+          <p:contentPart p14:bwMode="auto" r:id="rId16">
+            <p14:nvContentPartPr>
+              <p14:cNvPr id="20" name="Mürekkep 19">
+                <a:extLst>
+                  <a:ext uri="{FF2B5EF4-FFF2-40B4-BE49-F238E27FC236}">
+                    <a16:creationId xmlns:a16="http://schemas.microsoft.com/office/drawing/2014/main" id="{D9F29D61-22C9-E018-7DD2-62F633DCC6A7}"/>
+                  </a:ext>
+                </a:extLst>
+              </p14:cNvPr>
+              <p14:cNvContentPartPr/>
+              <p14:nvPr/>
+            </p14:nvContentPartPr>
+            <p14:xfrm>
+              <a:off x="4180035" y="5473267"/>
+              <a:ext cx="1357560" cy="24840"/>
+            </p14:xfrm>
+          </p:contentPart>
+        </mc:Choice>
+        <mc:Fallback>
+          <p:pic>
+            <p:nvPicPr>
+              <p:cNvPr id="20" name="Mürekkep 19">
+                <a:extLst>
+                  <a:ext uri="{FF2B5EF4-FFF2-40B4-BE49-F238E27FC236}">
+                    <a16:creationId xmlns:a16="http://schemas.microsoft.com/office/drawing/2014/main" id="{D9F29D61-22C9-E018-7DD2-62F633DCC6A7}"/>
+                  </a:ext>
+                </a:extLst>
+              </p:cNvPr>
+              <p:cNvPicPr/>
+              <p:nvPr/>
+            </p:nvPicPr>
+            <p:blipFill>
+              <a:blip r:embed="rId17"/>
+              <a:stretch>
+                <a:fillRect/>
+              </a:stretch>
+            </p:blipFill>
+            <p:spPr>
+              <a:xfrm>
+                <a:off x="4126395" y="5365627"/>
+                <a:ext cx="1465200" cy="240480"/>
+              </a:xfrm>
+              <a:prstGeom prst="rect">
+                <a:avLst/>
+              </a:prstGeom>
+            </p:spPr>
+          </p:pic>
+        </mc:Fallback>
+      </mc:AlternateContent>
+      <mc:AlternateContent xmlns:mc="http://schemas.openxmlformats.org/markup-compatibility/2006">
+        <mc:Choice xmlns:p14="http://schemas.microsoft.com/office/powerpoint/2010/main" Requires="p14">
+          <p:contentPart p14:bwMode="auto" r:id="rId18">
+            <p14:nvContentPartPr>
+              <p14:cNvPr id="21" name="Mürekkep 20">
+                <a:extLst>
+                  <a:ext uri="{FF2B5EF4-FFF2-40B4-BE49-F238E27FC236}">
+                    <a16:creationId xmlns:a16="http://schemas.microsoft.com/office/drawing/2014/main" id="{FF4FABA1-8D7B-E026-1A2B-15380CA6829E}"/>
+                  </a:ext>
+                </a:extLst>
+              </p14:cNvPr>
+              <p14:cNvContentPartPr/>
+              <p14:nvPr/>
+            </p14:nvContentPartPr>
+            <p14:xfrm>
+              <a:off x="4084995" y="5723467"/>
+              <a:ext cx="1626480" cy="25200"/>
+            </p14:xfrm>
+          </p:contentPart>
+        </mc:Choice>
+        <mc:Fallback>
+          <p:pic>
+            <p:nvPicPr>
+              <p:cNvPr id="21" name="Mürekkep 20">
+                <a:extLst>
+                  <a:ext uri="{FF2B5EF4-FFF2-40B4-BE49-F238E27FC236}">
+                    <a16:creationId xmlns:a16="http://schemas.microsoft.com/office/drawing/2014/main" id="{FF4FABA1-8D7B-E026-1A2B-15380CA6829E}"/>
+                  </a:ext>
+                </a:extLst>
+              </p:cNvPr>
+              <p:cNvPicPr/>
+              <p:nvPr/>
+            </p:nvPicPr>
+            <p:blipFill>
+              <a:blip r:embed="rId19"/>
+              <a:stretch>
+                <a:fillRect/>
+              </a:stretch>
+            </p:blipFill>
+            <p:spPr>
+              <a:xfrm>
+                <a:off x="4031355" y="5615467"/>
+                <a:ext cx="1734120" cy="240840"/>
+              </a:xfrm>
+              <a:prstGeom prst="rect">
+                <a:avLst/>
+              </a:prstGeom>
+            </p:spPr>
+          </p:pic>
+        </mc:Fallback>
+      </mc:AlternateContent>
+      <mc:AlternateContent xmlns:mc="http://schemas.openxmlformats.org/markup-compatibility/2006">
+        <mc:Choice xmlns:p14="http://schemas.microsoft.com/office/powerpoint/2010/main" Requires="p14">
+          <p:contentPart p14:bwMode="auto" r:id="rId20">
+            <p14:nvContentPartPr>
+              <p14:cNvPr id="22" name="Mürekkep 21">
+                <a:extLst>
+                  <a:ext uri="{FF2B5EF4-FFF2-40B4-BE49-F238E27FC236}">
+                    <a16:creationId xmlns:a16="http://schemas.microsoft.com/office/drawing/2014/main" id="{080255B6-F653-A428-C6A7-C7C20E37572F}"/>
+                  </a:ext>
+                </a:extLst>
+              </p14:cNvPr>
+              <p14:cNvContentPartPr/>
+              <p14:nvPr/>
+            </p14:nvContentPartPr>
+            <p14:xfrm>
+              <a:off x="4084995" y="5913187"/>
+              <a:ext cx="1346400" cy="36720"/>
+            </p14:xfrm>
+          </p:contentPart>
+        </mc:Choice>
+        <mc:Fallback>
+          <p:pic>
+            <p:nvPicPr>
+              <p:cNvPr id="22" name="Mürekkep 21">
+                <a:extLst>
+                  <a:ext uri="{FF2B5EF4-FFF2-40B4-BE49-F238E27FC236}">
+                    <a16:creationId xmlns:a16="http://schemas.microsoft.com/office/drawing/2014/main" id="{080255B6-F653-A428-C6A7-C7C20E37572F}"/>
+                  </a:ext>
+                </a:extLst>
+              </p:cNvPr>
+              <p:cNvPicPr/>
+              <p:nvPr/>
+            </p:nvPicPr>
+            <p:blipFill>
+              <a:blip r:embed="rId21"/>
+              <a:stretch>
+                <a:fillRect/>
+              </a:stretch>
+            </p:blipFill>
+            <p:spPr>
+              <a:xfrm>
+                <a:off x="4031355" y="5805547"/>
+                <a:ext cx="1454040" cy="252360"/>
+              </a:xfrm>
+              <a:prstGeom prst="rect">
+                <a:avLst/>
+              </a:prstGeom>
+            </p:spPr>
+          </p:pic>
+        </mc:Fallback>
+      </mc:AlternateContent>
+      <mc:AlternateContent xmlns:mc="http://schemas.openxmlformats.org/markup-compatibility/2006">
+        <mc:Choice xmlns:p14="http://schemas.microsoft.com/office/powerpoint/2010/main" Requires="p14">
+          <p:contentPart p14:bwMode="auto" r:id="rId22">
+            <p14:nvContentPartPr>
+              <p14:cNvPr id="23" name="Mürekkep 22">
+                <a:extLst>
+                  <a:ext uri="{FF2B5EF4-FFF2-40B4-BE49-F238E27FC236}">
+                    <a16:creationId xmlns:a16="http://schemas.microsoft.com/office/drawing/2014/main" id="{F019BC6B-987A-51D9-6659-4DD10D8A5FBD}"/>
+                  </a:ext>
+                </a:extLst>
+              </p14:cNvPr>
+              <p14:cNvContentPartPr/>
+              <p14:nvPr/>
+            </p14:nvContentPartPr>
+            <p14:xfrm>
+              <a:off x="5521755" y="2909347"/>
+              <a:ext cx="334080" cy="360"/>
+            </p14:xfrm>
+          </p:contentPart>
+        </mc:Choice>
+        <mc:Fallback>
+          <p:pic>
+            <p:nvPicPr>
+              <p:cNvPr id="23" name="Mürekkep 22">
+                <a:extLst>
+                  <a:ext uri="{FF2B5EF4-FFF2-40B4-BE49-F238E27FC236}">
+                    <a16:creationId xmlns:a16="http://schemas.microsoft.com/office/drawing/2014/main" id="{F019BC6B-987A-51D9-6659-4DD10D8A5FBD}"/>
+                  </a:ext>
+                </a:extLst>
+              </p:cNvPr>
+              <p:cNvPicPr/>
+              <p:nvPr/>
+            </p:nvPicPr>
+            <p:blipFill>
+              <a:blip r:embed="rId23"/>
+              <a:stretch>
+                <a:fillRect/>
+              </a:stretch>
+            </p:blipFill>
+            <p:spPr>
+              <a:xfrm>
+                <a:off x="5468115" y="2801347"/>
+                <a:ext cx="441720" cy="216000"/>
+              </a:xfrm>
+              <a:prstGeom prst="rect">
+                <a:avLst/>
+              </a:prstGeom>
+            </p:spPr>
+          </p:pic>
+        </mc:Fallback>
+      </mc:AlternateContent>
+      <mc:AlternateContent xmlns:mc="http://schemas.openxmlformats.org/markup-compatibility/2006">
+        <mc:Choice xmlns:p14="http://schemas.microsoft.com/office/powerpoint/2010/main" Requires="p14">
+          <p:contentPart p14:bwMode="auto" r:id="rId24">
+            <p14:nvContentPartPr>
+              <p14:cNvPr id="24" name="Mürekkep 23">
+                <a:extLst>
+                  <a:ext uri="{FF2B5EF4-FFF2-40B4-BE49-F238E27FC236}">
+                    <a16:creationId xmlns:a16="http://schemas.microsoft.com/office/drawing/2014/main" id="{4EF9E68B-FBD2-83D4-C692-3FE1D0126410}"/>
+                  </a:ext>
+                </a:extLst>
+              </p14:cNvPr>
+              <p14:cNvContentPartPr/>
+              <p14:nvPr/>
+            </p14:nvContentPartPr>
+            <p14:xfrm>
+              <a:off x="6115755" y="5070427"/>
+              <a:ext cx="1424160" cy="25560"/>
+            </p14:xfrm>
+          </p:contentPart>
+        </mc:Choice>
+        <mc:Fallback>
+          <p:pic>
+            <p:nvPicPr>
+              <p:cNvPr id="24" name="Mürekkep 23">
+                <a:extLst>
+                  <a:ext uri="{FF2B5EF4-FFF2-40B4-BE49-F238E27FC236}">
+                    <a16:creationId xmlns:a16="http://schemas.microsoft.com/office/drawing/2014/main" id="{4EF9E68B-FBD2-83D4-C692-3FE1D0126410}"/>
+                  </a:ext>
+                </a:extLst>
+              </p:cNvPr>
+              <p:cNvPicPr/>
+              <p:nvPr/>
+            </p:nvPicPr>
+            <p:blipFill>
+              <a:blip r:embed="rId25"/>
+              <a:stretch>
+                <a:fillRect/>
+              </a:stretch>
+            </p:blipFill>
+            <p:spPr>
+              <a:xfrm>
+                <a:off x="6061755" y="4962427"/>
+                <a:ext cx="1531800" cy="241200"/>
+              </a:xfrm>
+              <a:prstGeom prst="rect">
+                <a:avLst/>
+              </a:prstGeom>
+            </p:spPr>
+          </p:pic>
+        </mc:Fallback>
+      </mc:AlternateContent>
+      <mc:AlternateContent xmlns:mc="http://schemas.openxmlformats.org/markup-compatibility/2006">
+        <mc:Choice xmlns:p14="http://schemas.microsoft.com/office/powerpoint/2010/main" Requires="p14">
+          <p:contentPart p14:bwMode="auto" r:id="rId26">
+            <p14:nvContentPartPr>
+              <p14:cNvPr id="25" name="Mürekkep 24">
+                <a:extLst>
+                  <a:ext uri="{FF2B5EF4-FFF2-40B4-BE49-F238E27FC236}">
+                    <a16:creationId xmlns:a16="http://schemas.microsoft.com/office/drawing/2014/main" id="{DBC7BDF5-3518-54E5-3192-6B7B20B02866}"/>
+                  </a:ext>
+                </a:extLst>
+              </p14:cNvPr>
+              <p14:cNvContentPartPr/>
+              <p14:nvPr/>
+            </p14:nvContentPartPr>
+            <p14:xfrm>
+              <a:off x="6080115" y="4808707"/>
+              <a:ext cx="785160" cy="36720"/>
+            </p14:xfrm>
+          </p:contentPart>
+        </mc:Choice>
+        <mc:Fallback>
+          <p:pic>
+            <p:nvPicPr>
+              <p:cNvPr id="25" name="Mürekkep 24">
+                <a:extLst>
+                  <a:ext uri="{FF2B5EF4-FFF2-40B4-BE49-F238E27FC236}">
+                    <a16:creationId xmlns:a16="http://schemas.microsoft.com/office/drawing/2014/main" id="{DBC7BDF5-3518-54E5-3192-6B7B20B02866}"/>
+                  </a:ext>
+                </a:extLst>
+              </p:cNvPr>
+              <p:cNvPicPr/>
+              <p:nvPr/>
+            </p:nvPicPr>
+            <p:blipFill>
+              <a:blip r:embed="rId27"/>
+              <a:stretch>
+                <a:fillRect/>
+              </a:stretch>
+            </p:blipFill>
+            <p:spPr>
+              <a:xfrm>
+                <a:off x="6026115" y="4700707"/>
+                <a:ext cx="892800" cy="252360"/>
+              </a:xfrm>
+              <a:prstGeom prst="rect">
+                <a:avLst/>
+              </a:prstGeom>
+            </p:spPr>
+          </p:pic>
+        </mc:Fallback>
+      </mc:AlternateContent>
+      <mc:AlternateContent xmlns:mc="http://schemas.openxmlformats.org/markup-compatibility/2006">
+        <mc:Choice xmlns:p14="http://schemas.microsoft.com/office/powerpoint/2010/main" Requires="p14">
+          <p:contentPart p14:bwMode="auto" r:id="rId28">
+            <p14:nvContentPartPr>
+              <p14:cNvPr id="27" name="Mürekkep 26">
+                <a:extLst>
+                  <a:ext uri="{FF2B5EF4-FFF2-40B4-BE49-F238E27FC236}">
+                    <a16:creationId xmlns:a16="http://schemas.microsoft.com/office/drawing/2014/main" id="{7272CDFD-73DB-66C2-182C-1C2692D6BA33}"/>
+                  </a:ext>
+                </a:extLst>
+              </p14:cNvPr>
+              <p14:cNvContentPartPr/>
+              <p14:nvPr/>
+            </p14:nvContentPartPr>
+            <p14:xfrm>
+              <a:off x="7956435" y="3645907"/>
+              <a:ext cx="1032120" cy="39240"/>
+            </p14:xfrm>
+          </p:contentPart>
+        </mc:Choice>
+        <mc:Fallback>
+          <p:pic>
+            <p:nvPicPr>
+              <p:cNvPr id="27" name="Mürekkep 26">
+                <a:extLst>
+                  <a:ext uri="{FF2B5EF4-FFF2-40B4-BE49-F238E27FC236}">
+                    <a16:creationId xmlns:a16="http://schemas.microsoft.com/office/drawing/2014/main" id="{7272CDFD-73DB-66C2-182C-1C2692D6BA33}"/>
+                  </a:ext>
+                </a:extLst>
+              </p:cNvPr>
+              <p:cNvPicPr/>
+              <p:nvPr/>
+            </p:nvPicPr>
+            <p:blipFill>
+              <a:blip r:embed="rId29"/>
+              <a:stretch>
+                <a:fillRect/>
+              </a:stretch>
+            </p:blipFill>
+            <p:spPr>
+              <a:xfrm>
+                <a:off x="7902435" y="3537907"/>
+                <a:ext cx="1139760" cy="254880"/>
+              </a:xfrm>
+              <a:prstGeom prst="rect">
+                <a:avLst/>
+              </a:prstGeom>
+            </p:spPr>
+          </p:pic>
+        </mc:Fallback>
+      </mc:AlternateContent>
+      <mc:AlternateContent xmlns:mc="http://schemas.openxmlformats.org/markup-compatibility/2006">
+        <mc:Choice xmlns:p14="http://schemas.microsoft.com/office/powerpoint/2010/main" Requires="p14">
+          <p:contentPart p14:bwMode="auto" r:id="rId30">
+            <p14:nvContentPartPr>
+              <p14:cNvPr id="28" name="Mürekkep 27">
+                <a:extLst>
+                  <a:ext uri="{FF2B5EF4-FFF2-40B4-BE49-F238E27FC236}">
+                    <a16:creationId xmlns:a16="http://schemas.microsoft.com/office/drawing/2014/main" id="{99E06A1D-BF26-D61E-125C-A8A5CE8F39D8}"/>
+                  </a:ext>
+                </a:extLst>
+              </p14:cNvPr>
+              <p14:cNvContentPartPr/>
+              <p14:nvPr/>
+            </p14:nvContentPartPr>
+            <p14:xfrm>
+              <a:off x="7932675" y="3829507"/>
+              <a:ext cx="626040" cy="54000"/>
+            </p14:xfrm>
+          </p:contentPart>
+        </mc:Choice>
+        <mc:Fallback>
+          <p:pic>
+            <p:nvPicPr>
+              <p:cNvPr id="28" name="Mürekkep 27">
+                <a:extLst>
+                  <a:ext uri="{FF2B5EF4-FFF2-40B4-BE49-F238E27FC236}">
+                    <a16:creationId xmlns:a16="http://schemas.microsoft.com/office/drawing/2014/main" id="{99E06A1D-BF26-D61E-125C-A8A5CE8F39D8}"/>
+                  </a:ext>
+                </a:extLst>
+              </p:cNvPr>
+              <p:cNvPicPr/>
+              <p:nvPr/>
+            </p:nvPicPr>
+            <p:blipFill>
+              <a:blip r:embed="rId31"/>
+              <a:stretch>
+                <a:fillRect/>
+              </a:stretch>
+            </p:blipFill>
+            <p:spPr>
+              <a:xfrm>
+                <a:off x="7879035" y="3721507"/>
+                <a:ext cx="733680" cy="269640"/>
+              </a:xfrm>
+              <a:prstGeom prst="rect">
+                <a:avLst/>
+              </a:prstGeom>
+            </p:spPr>
+          </p:pic>
+        </mc:Fallback>
+      </mc:AlternateContent>
+    </p:spTree>
+    <p:extLst>
+      <p:ext uri="{BB962C8B-B14F-4D97-AF65-F5344CB8AC3E}">
+        <p14:creationId xmlns:p14="http://schemas.microsoft.com/office/powerpoint/2010/main" val="3948823751"/>
+      </p:ext>
+    </p:extLst>
+  </p:cSld>
+  <p:clrMapOvr>
+    <a:masterClrMapping/>
+  </p:clrMapOvr>
+</p:sld>
+</file>
+
+<file path=ppt/slides/slide12.xml><?xml version="1.0" encoding="utf-8"?>
+<p:sld xmlns:a="http://schemas.openxmlformats.org/drawingml/2006/main" xmlns:r="http://schemas.openxmlformats.org/officeDocument/2006/relationships" xmlns:p="http://schemas.openxmlformats.org/presentationml/2006/main">
+  <p:cSld>
+    <p:spTree>
+      <p:nvGrpSpPr>
+        <p:cNvPr id="1" name=""/>
+        <p:cNvGrpSpPr/>
+        <p:nvPr/>
+      </p:nvGrpSpPr>
+      <p:grpSpPr>
+        <a:xfrm>
+          <a:off x="0" y="0"/>
+          <a:ext cx="0" cy="0"/>
+          <a:chOff x="0" y="0"/>
+          <a:chExt cx="0" cy="0"/>
+        </a:xfrm>
+      </p:grpSpPr>
+      <p:sp>
+        <p:nvSpPr>
           <p:cNvPr id="2" name="Title 1"/>
           <p:cNvSpPr>
             <a:spLocks noGrp="1"/>
@@ -4985,7 +6304,7 @@
           <a:lstStyle/>
           <a:p>
             <a:r>
-              <a:rPr lang="tr-TR" b="1"/>
+              <a:rPr lang="tr-TR" b="1" dirty="0"/>
               <a:t>Testler</a:t>
             </a:r>
             <a:endParaRPr lang="en-US" b="1" dirty="0"/>
@@ -5009,7 +6328,7 @@
           <a:p>
             <a:fld id="{737DD9CB-78BB-4B95-9ED2-4C91B1108648}" type="slidenum">
               <a:rPr lang="en-US" smtClean="0"/>
-              <a:t>11</a:t>
+              <a:t>12</a:t>
             </a:fld>
             <a:endParaRPr lang="en-US"/>
           </a:p>
@@ -5415,7 +6734,7 @@
 </p:sld>
 </file>
 
-<file path=ppt/slides/slide12.xml><?xml version="1.0" encoding="utf-8"?>
+<file path=ppt/slides/slide13.xml><?xml version="1.0" encoding="utf-8"?>
 <p:sld xmlns:a="http://schemas.openxmlformats.org/drawingml/2006/main" xmlns:r="http://schemas.openxmlformats.org/officeDocument/2006/relationships" xmlns:p="http://schemas.openxmlformats.org/presentationml/2006/main">
   <p:cSld>
     <p:spTree>
@@ -5477,7 +6796,7 @@
           <a:p>
             <a:fld id="{737DD9CB-78BB-4B95-9ED2-4C91B1108648}" type="slidenum">
               <a:rPr lang="en-US" smtClean="0"/>
-              <a:t>12</a:t>
+              <a:t>13</a:t>
             </a:fld>
             <a:endParaRPr lang="en-US"/>
           </a:p>
@@ -5787,7 +7106,7 @@
 </p:sld>
 </file>
 
-<file path=ppt/slides/slide13.xml><?xml version="1.0" encoding="utf-8"?>
+<file path=ppt/slides/slide14.xml><?xml version="1.0" encoding="utf-8"?>
 <p:sld xmlns:a="http://schemas.openxmlformats.org/drawingml/2006/main" xmlns:r="http://schemas.openxmlformats.org/officeDocument/2006/relationships" xmlns:p="http://schemas.openxmlformats.org/presentationml/2006/main">
   <p:cSld>
     <p:spTree>
@@ -5849,7 +7168,7 @@
           <a:p>
             <a:fld id="{737DD9CB-78BB-4B95-9ED2-4C91B1108648}" type="slidenum">
               <a:rPr lang="en-US" smtClean="0"/>
-              <a:t>13</a:t>
+              <a:t>14</a:t>
             </a:fld>
             <a:endParaRPr lang="en-US"/>
           </a:p>
@@ -6107,7 +7426,7 @@
 </p:sld>
 </file>
 
-<file path=ppt/slides/slide14.xml><?xml version="1.0" encoding="utf-8"?>
+<file path=ppt/slides/slide15.xml><?xml version="1.0" encoding="utf-8"?>
 <p:sld xmlns:a="http://schemas.openxmlformats.org/drawingml/2006/main" xmlns:r="http://schemas.openxmlformats.org/officeDocument/2006/relationships" xmlns:p="http://schemas.openxmlformats.org/presentationml/2006/main">
   <p:cSld>
     <p:spTree>
@@ -6210,7 +7529,7 @@
           <a:p>
             <a:fld id="{737DD9CB-78BB-4B95-9ED2-4C91B1108648}" type="slidenum">
               <a:rPr lang="en-US" smtClean="0"/>
-              <a:t>14</a:t>
+              <a:t>15</a:t>
             </a:fld>
             <a:endParaRPr lang="en-US"/>
           </a:p>
@@ -6346,7 +7665,7 @@
 </p:sld>
 </file>
 
-<file path=ppt/slides/slide15.xml><?xml version="1.0" encoding="utf-8"?>
+<file path=ppt/slides/slide16.xml><?xml version="1.0" encoding="utf-8"?>
 <p:sld xmlns:a="http://schemas.openxmlformats.org/drawingml/2006/main" xmlns:r="http://schemas.openxmlformats.org/officeDocument/2006/relationships" xmlns:p="http://schemas.openxmlformats.org/presentationml/2006/main">
   <p:cSld>
     <p:spTree>
@@ -6704,7 +8023,7 @@
           <a:p>
             <a:fld id="{737DD9CB-78BB-4B95-9ED2-4C91B1108648}" type="slidenum">
               <a:rPr lang="en-US" smtClean="0"/>
-              <a:t>15</a:t>
+              <a:t>16</a:t>
             </a:fld>
             <a:endParaRPr lang="en-US"/>
           </a:p>
@@ -6786,7 +8105,7 @@
 </p:sld>
 </file>
 
-<file path=ppt/slides/slide16.xml><?xml version="1.0" encoding="utf-8"?>
+<file path=ppt/slides/slide17.xml><?xml version="1.0" encoding="utf-8"?>
 <p:sld xmlns:a="http://schemas.openxmlformats.org/drawingml/2006/main" xmlns:r="http://schemas.openxmlformats.org/officeDocument/2006/relationships" xmlns:p="http://schemas.openxmlformats.org/presentationml/2006/main">
   <p:cSld>
     <p:spTree>
@@ -6861,7 +8180,7 @@
           <a:p>
             <a:fld id="{737DD9CB-78BB-4B95-9ED2-4C91B1108648}" type="slidenum">
               <a:rPr lang="en-US" smtClean="0"/>
-              <a:t>16</a:t>
+              <a:t>17</a:t>
             </a:fld>
             <a:endParaRPr lang="en-US"/>
           </a:p>
